--- a/後期制作_企画書.pptx
+++ b/後期制作_企画書.pptx
@@ -10,6 +10,7 @@
     <p:sldId id="258" r:id="rId4"/>
     <p:sldId id="259" r:id="rId5"/>
     <p:sldId id="260" r:id="rId6"/>
+    <p:sldId id="261" r:id="rId7"/>
   </p:sldIdLst>
   <p:sldSz cx="12192000" cy="6858000"/>
   <p:notesSz cx="6858000" cy="9144000"/>
@@ -108,6 +109,11 @@
       </a:defRPr>
     </a:lvl9pPr>
   </p:defaultTextStyle>
+  <p:extLst>
+    <p:ext uri="{EFAFB233-063F-42B5-8137-9DF3F51BA10A}">
+      <p15:sldGuideLst xmlns:p15="http://schemas.microsoft.com/office/powerpoint/2012/main"/>
+    </p:ext>
+  </p:extLst>
 </p:presentation>
 </file>
 
@@ -5831,6 +5837,19 @@
 <file path=ppt/slides/slide5.xml><?xml version="1.0" encoding="utf-8"?>
 <p:sld xmlns:a="http://schemas.openxmlformats.org/drawingml/2006/main" xmlns:r="http://schemas.openxmlformats.org/officeDocument/2006/relationships" xmlns:p="http://schemas.openxmlformats.org/presentationml/2006/main">
   <p:cSld>
+    <p:bg>
+      <p:bgPr>
+        <a:pattFill prst="pct5">
+          <a:fgClr>
+            <a:schemeClr val="accent1"/>
+          </a:fgClr>
+          <a:bgClr>
+            <a:schemeClr val="bg1"/>
+          </a:bgClr>
+        </a:pattFill>
+        <a:effectLst/>
+      </p:bgPr>
+    </p:bg>
     <p:spTree>
       <p:nvGrpSpPr>
         <p:cNvPr id="1" name=""/>
@@ -5845,10 +5864,1099 @@
           <a:chExt cx="0" cy="0"/>
         </a:xfrm>
       </p:grpSpPr>
+      <p:cxnSp>
+        <p:nvCxnSpPr>
+          <p:cNvPr id="2" name="直線コネクタ 1">
+            <a:extLst>
+              <a:ext uri="{FF2B5EF4-FFF2-40B4-BE49-F238E27FC236}">
+                <a16:creationId xmlns:a16="http://schemas.microsoft.com/office/drawing/2014/main" id="{DE0F3228-AED8-4977-9533-592633889B54}"/>
+              </a:ext>
+            </a:extLst>
+          </p:cNvPr>
+          <p:cNvCxnSpPr>
+            <a:cxnSpLocks/>
+          </p:cNvCxnSpPr>
+          <p:nvPr/>
+        </p:nvCxnSpPr>
+        <p:spPr>
+          <a:xfrm>
+            <a:off x="0" y="1000125"/>
+            <a:ext cx="12192000" cy="0"/>
+          </a:xfrm>
+          <a:prstGeom prst="line">
+            <a:avLst/>
+          </a:prstGeom>
+          <a:ln w="19050">
+            <a:solidFill>
+              <a:schemeClr val="tx1"/>
+            </a:solidFill>
+          </a:ln>
+        </p:spPr>
+        <p:style>
+          <a:lnRef idx="1">
+            <a:schemeClr val="accent1"/>
+          </a:lnRef>
+          <a:fillRef idx="0">
+            <a:schemeClr val="accent1"/>
+          </a:fillRef>
+          <a:effectRef idx="0">
+            <a:schemeClr val="accent1"/>
+          </a:effectRef>
+          <a:fontRef idx="minor">
+            <a:schemeClr val="tx1"/>
+          </a:fontRef>
+        </p:style>
+      </p:cxnSp>
+      <p:sp>
+        <p:nvSpPr>
+          <p:cNvPr id="3" name="テキスト ボックス 2">
+            <a:extLst>
+              <a:ext uri="{FF2B5EF4-FFF2-40B4-BE49-F238E27FC236}">
+                <a16:creationId xmlns:a16="http://schemas.microsoft.com/office/drawing/2014/main" id="{841FDFFF-7BA5-44CE-B43F-109330E1DEC8}"/>
+              </a:ext>
+            </a:extLst>
+          </p:cNvPr>
+          <p:cNvSpPr txBox="1"/>
+          <p:nvPr/>
+        </p:nvSpPr>
+        <p:spPr>
+          <a:xfrm>
+            <a:off x="361950" y="276225"/>
+            <a:ext cx="6335389" cy="584775"/>
+          </a:xfrm>
+          <a:prstGeom prst="rect">
+            <a:avLst/>
+          </a:prstGeom>
+          <a:noFill/>
+        </p:spPr>
+        <p:txBody>
+          <a:bodyPr wrap="none" rtlCol="0">
+            <a:spAutoFit/>
+          </a:bodyPr>
+          <a:lstStyle/>
+          <a:p>
+            <a:pPr marL="285750" indent="-285750">
+              <a:buFont typeface="Wingdings" panose="05000000000000000000" pitchFamily="2" charset="2"/>
+              <a:buChar char="u"/>
+            </a:pPr>
+            <a:r>
+              <a:rPr lang="ja-JP" altLang="en-US" sz="3200" b="1" dirty="0"/>
+              <a:t>プレイヤーの繰り出すワイヤー</a:t>
+            </a:r>
+            <a:endParaRPr kumimoji="1" lang="ja-JP" altLang="en-US" sz="3200" b="1" dirty="0"/>
+          </a:p>
+        </p:txBody>
+      </p:sp>
+      <p:sp>
+        <p:nvSpPr>
+          <p:cNvPr id="4" name="テキスト ボックス 3">
+            <a:extLst>
+              <a:ext uri="{FF2B5EF4-FFF2-40B4-BE49-F238E27FC236}">
+                <a16:creationId xmlns:a16="http://schemas.microsoft.com/office/drawing/2014/main" id="{4F972D79-572E-4D27-87DD-4E800FF9232B}"/>
+              </a:ext>
+            </a:extLst>
+          </p:cNvPr>
+          <p:cNvSpPr txBox="1"/>
+          <p:nvPr/>
+        </p:nvSpPr>
+        <p:spPr>
+          <a:xfrm>
+            <a:off x="619125" y="1590675"/>
+            <a:ext cx="5160387" cy="369332"/>
+          </a:xfrm>
+          <a:prstGeom prst="rect">
+            <a:avLst/>
+          </a:prstGeom>
+          <a:noFill/>
+        </p:spPr>
+        <p:txBody>
+          <a:bodyPr wrap="none" rtlCol="0">
+            <a:spAutoFit/>
+          </a:bodyPr>
+          <a:lstStyle/>
+          <a:p>
+            <a:r>
+              <a:rPr kumimoji="1" lang="ja-JP" altLang="en-US" dirty="0"/>
+              <a:t>プレイヤーが出すことのできるワイヤーは</a:t>
+            </a:r>
+            <a:r>
+              <a:rPr kumimoji="1" lang="en-US" altLang="ja-JP" dirty="0"/>
+              <a:t>2</a:t>
+            </a:r>
+            <a:r>
+              <a:rPr kumimoji="1" lang="ja-JP" altLang="en-US" dirty="0"/>
+              <a:t>種類</a:t>
+            </a:r>
+          </a:p>
+        </p:txBody>
+      </p:sp>
+      <p:sp>
+        <p:nvSpPr>
+          <p:cNvPr id="5" name="正方形/長方形 4">
+            <a:extLst>
+              <a:ext uri="{FF2B5EF4-FFF2-40B4-BE49-F238E27FC236}">
+                <a16:creationId xmlns:a16="http://schemas.microsoft.com/office/drawing/2014/main" id="{DEF331B9-AAE0-4AFF-A564-105ECB1A02EB}"/>
+              </a:ext>
+            </a:extLst>
+          </p:cNvPr>
+          <p:cNvSpPr/>
+          <p:nvPr/>
+        </p:nvSpPr>
+        <p:spPr>
+          <a:xfrm>
+            <a:off x="704850" y="2114550"/>
+            <a:ext cx="6400800" cy="3305173"/>
+          </a:xfrm>
+          <a:prstGeom prst="rect">
+            <a:avLst/>
+          </a:prstGeom>
+          <a:solidFill>
+            <a:schemeClr val="bg2"/>
+          </a:solidFill>
+          <a:ln>
+            <a:solidFill>
+              <a:schemeClr val="tx1"/>
+            </a:solidFill>
+          </a:ln>
+        </p:spPr>
+        <p:style>
+          <a:lnRef idx="2">
+            <a:schemeClr val="accent1">
+              <a:shade val="50000"/>
+            </a:schemeClr>
+          </a:lnRef>
+          <a:fillRef idx="1">
+            <a:schemeClr val="accent1"/>
+          </a:fillRef>
+          <a:effectRef idx="0">
+            <a:schemeClr val="accent1"/>
+          </a:effectRef>
+          <a:fontRef idx="minor">
+            <a:schemeClr val="lt1"/>
+          </a:fontRef>
+        </p:style>
+        <p:txBody>
+          <a:bodyPr rtlCol="0" anchor="ctr"/>
+          <a:lstStyle/>
+          <a:p>
+            <a:pPr algn="ctr"/>
+            <a:endParaRPr kumimoji="1" lang="ja-JP" altLang="en-US" dirty="0"/>
+          </a:p>
+        </p:txBody>
+      </p:sp>
+      <p:sp>
+        <p:nvSpPr>
+          <p:cNvPr id="6" name="四角形: 角を丸くする 5">
+            <a:extLst>
+              <a:ext uri="{FF2B5EF4-FFF2-40B4-BE49-F238E27FC236}">
+                <a16:creationId xmlns:a16="http://schemas.microsoft.com/office/drawing/2014/main" id="{8F7A7B27-C2B4-451D-8947-8AE1D9E8F47E}"/>
+              </a:ext>
+            </a:extLst>
+          </p:cNvPr>
+          <p:cNvSpPr/>
+          <p:nvPr/>
+        </p:nvSpPr>
+        <p:spPr>
+          <a:xfrm>
+            <a:off x="7403078" y="1139251"/>
+            <a:ext cx="4398396" cy="2205393"/>
+          </a:xfrm>
+          <a:prstGeom prst="roundRect">
+            <a:avLst/>
+          </a:prstGeom>
+        </p:spPr>
+        <p:style>
+          <a:lnRef idx="2">
+            <a:schemeClr val="accent1">
+              <a:shade val="50000"/>
+            </a:schemeClr>
+          </a:lnRef>
+          <a:fillRef idx="1">
+            <a:schemeClr val="accent1"/>
+          </a:fillRef>
+          <a:effectRef idx="0">
+            <a:schemeClr val="accent1"/>
+          </a:effectRef>
+          <a:fontRef idx="minor">
+            <a:schemeClr val="lt1"/>
+          </a:fontRef>
+        </p:style>
+        <p:txBody>
+          <a:bodyPr rtlCol="0" anchor="ctr"/>
+          <a:lstStyle/>
+          <a:p>
+            <a:pPr algn="ctr"/>
+            <a:r>
+              <a:rPr kumimoji="1" lang="ja-JP" altLang="en-US" dirty="0"/>
+              <a:t>パターン</a:t>
+            </a:r>
+            <a:r>
+              <a:rPr lang="en-US" altLang="ja-JP" dirty="0"/>
+              <a:t>1</a:t>
+            </a:r>
+            <a:r>
+              <a:rPr kumimoji="1" lang="ja-JP" altLang="en-US" dirty="0"/>
+              <a:t>イメージ</a:t>
+            </a:r>
+          </a:p>
+        </p:txBody>
+      </p:sp>
+      <p:sp>
+        <p:nvSpPr>
+          <p:cNvPr id="7" name="テキスト ボックス 6">
+            <a:extLst>
+              <a:ext uri="{FF2B5EF4-FFF2-40B4-BE49-F238E27FC236}">
+                <a16:creationId xmlns:a16="http://schemas.microsoft.com/office/drawing/2014/main" id="{9EB1C3BA-2C1C-4541-A025-36CB14138F42}"/>
+              </a:ext>
+            </a:extLst>
+          </p:cNvPr>
+          <p:cNvSpPr txBox="1"/>
+          <p:nvPr/>
+        </p:nvSpPr>
+        <p:spPr>
+          <a:xfrm>
+            <a:off x="1344691" y="5680203"/>
+            <a:ext cx="2031325" cy="923330"/>
+          </a:xfrm>
+          <a:prstGeom prst="rect">
+            <a:avLst/>
+          </a:prstGeom>
+          <a:noFill/>
+        </p:spPr>
+        <p:txBody>
+          <a:bodyPr wrap="none" rtlCol="0">
+            <a:spAutoFit/>
+          </a:bodyPr>
+          <a:lstStyle/>
+          <a:p>
+            <a:pPr algn="ctr"/>
+            <a:r>
+              <a:rPr kumimoji="1" lang="ja-JP" altLang="en-US" dirty="0"/>
+              <a:t>パターン</a:t>
+            </a:r>
+            <a:r>
+              <a:rPr kumimoji="1" lang="en-US" altLang="ja-JP" dirty="0"/>
+              <a:t>1</a:t>
+            </a:r>
+          </a:p>
+          <a:p>
+            <a:pPr algn="ctr"/>
+            <a:r>
+              <a:rPr lang="ja-JP" altLang="en-US" dirty="0"/>
+              <a:t>ぶら下がる</a:t>
+            </a:r>
+            <a:endParaRPr kumimoji="1" lang="en-US" altLang="ja-JP" dirty="0"/>
+          </a:p>
+          <a:p>
+            <a:pPr algn="ctr"/>
+            <a:r>
+              <a:rPr lang="ja-JP" altLang="en-US" dirty="0"/>
+              <a:t>（メトロイド風）</a:t>
+            </a:r>
+            <a:endParaRPr kumimoji="1" lang="en-US" altLang="ja-JP" dirty="0"/>
+          </a:p>
+        </p:txBody>
+      </p:sp>
+      <p:sp>
+        <p:nvSpPr>
+          <p:cNvPr id="8" name="テキスト ボックス 7">
+            <a:extLst>
+              <a:ext uri="{FF2B5EF4-FFF2-40B4-BE49-F238E27FC236}">
+                <a16:creationId xmlns:a16="http://schemas.microsoft.com/office/drawing/2014/main" id="{64355723-3C84-4994-A37D-45B07878D28F}"/>
+              </a:ext>
+            </a:extLst>
+          </p:cNvPr>
+          <p:cNvSpPr txBox="1"/>
+          <p:nvPr/>
+        </p:nvSpPr>
+        <p:spPr>
+          <a:xfrm>
+            <a:off x="3980388" y="5634037"/>
+            <a:ext cx="3185488" cy="923330"/>
+          </a:xfrm>
+          <a:prstGeom prst="rect">
+            <a:avLst/>
+          </a:prstGeom>
+          <a:noFill/>
+        </p:spPr>
+        <p:txBody>
+          <a:bodyPr wrap="none" rtlCol="0">
+            <a:spAutoFit/>
+          </a:bodyPr>
+          <a:lstStyle/>
+          <a:p>
+            <a:pPr algn="ctr"/>
+            <a:r>
+              <a:rPr kumimoji="1" lang="ja-JP" altLang="en-US" dirty="0"/>
+              <a:t>パターン</a:t>
+            </a:r>
+            <a:r>
+              <a:rPr kumimoji="1" lang="en-US" altLang="ja-JP" dirty="0"/>
+              <a:t>2</a:t>
+            </a:r>
+          </a:p>
+          <a:p>
+            <a:pPr algn="ctr"/>
+            <a:r>
+              <a:rPr lang="ja-JP" altLang="en-US" dirty="0"/>
+              <a:t>アンカーに突進</a:t>
+            </a:r>
+            <a:endParaRPr kumimoji="1" lang="en-US" altLang="ja-JP" dirty="0"/>
+          </a:p>
+          <a:p>
+            <a:pPr algn="ctr"/>
+            <a:r>
+              <a:rPr lang="ja-JP" altLang="en-US" dirty="0"/>
+              <a:t>（ゼルダのフックショット）</a:t>
+            </a:r>
+            <a:endParaRPr kumimoji="1" lang="en-US" altLang="ja-JP" dirty="0"/>
+          </a:p>
+        </p:txBody>
+      </p:sp>
+      <p:sp>
+        <p:nvSpPr>
+          <p:cNvPr id="9" name="正方形/長方形 8">
+            <a:extLst>
+              <a:ext uri="{FF2B5EF4-FFF2-40B4-BE49-F238E27FC236}">
+                <a16:creationId xmlns:a16="http://schemas.microsoft.com/office/drawing/2014/main" id="{ADE4742C-10DE-4323-B980-D13ED2A5CFB7}"/>
+              </a:ext>
+            </a:extLst>
+          </p:cNvPr>
+          <p:cNvSpPr/>
+          <p:nvPr/>
+        </p:nvSpPr>
+        <p:spPr>
+          <a:xfrm>
+            <a:off x="1295568" y="3981448"/>
+            <a:ext cx="590550" cy="1438275"/>
+          </a:xfrm>
+          <a:prstGeom prst="rect">
+            <a:avLst/>
+          </a:prstGeom>
+        </p:spPr>
+        <p:style>
+          <a:lnRef idx="2">
+            <a:schemeClr val="accent1">
+              <a:shade val="50000"/>
+            </a:schemeClr>
+          </a:lnRef>
+          <a:fillRef idx="1">
+            <a:schemeClr val="accent1"/>
+          </a:fillRef>
+          <a:effectRef idx="0">
+            <a:schemeClr val="accent1"/>
+          </a:effectRef>
+          <a:fontRef idx="minor">
+            <a:schemeClr val="lt1"/>
+          </a:fontRef>
+        </p:style>
+        <p:txBody>
+          <a:bodyPr rtlCol="0" anchor="ctr"/>
+          <a:lstStyle/>
+          <a:p>
+            <a:pPr algn="ctr"/>
+            <a:endParaRPr kumimoji="1" lang="ja-JP" altLang="en-US"/>
+          </a:p>
+        </p:txBody>
+      </p:sp>
+      <p:sp>
+        <p:nvSpPr>
+          <p:cNvPr id="11" name="正方形/長方形 10">
+            <a:extLst>
+              <a:ext uri="{FF2B5EF4-FFF2-40B4-BE49-F238E27FC236}">
+                <a16:creationId xmlns:a16="http://schemas.microsoft.com/office/drawing/2014/main" id="{E4051AB1-ACB5-4FED-94A9-CDE88541D5F1}"/>
+              </a:ext>
+            </a:extLst>
+          </p:cNvPr>
+          <p:cNvSpPr/>
+          <p:nvPr/>
+        </p:nvSpPr>
+        <p:spPr>
+          <a:xfrm>
+            <a:off x="2065079" y="3981448"/>
+            <a:ext cx="590550" cy="1438275"/>
+          </a:xfrm>
+          <a:prstGeom prst="rect">
+            <a:avLst/>
+          </a:prstGeom>
+        </p:spPr>
+        <p:style>
+          <a:lnRef idx="2">
+            <a:schemeClr val="accent1">
+              <a:shade val="50000"/>
+            </a:schemeClr>
+          </a:lnRef>
+          <a:fillRef idx="1">
+            <a:schemeClr val="accent1"/>
+          </a:fillRef>
+          <a:effectRef idx="0">
+            <a:schemeClr val="accent1"/>
+          </a:effectRef>
+          <a:fontRef idx="minor">
+            <a:schemeClr val="lt1"/>
+          </a:fontRef>
+        </p:style>
+        <p:txBody>
+          <a:bodyPr rtlCol="0" anchor="ctr"/>
+          <a:lstStyle/>
+          <a:p>
+            <a:pPr algn="ctr"/>
+            <a:endParaRPr kumimoji="1" lang="ja-JP" altLang="en-US"/>
+          </a:p>
+        </p:txBody>
+      </p:sp>
+      <p:sp>
+        <p:nvSpPr>
+          <p:cNvPr id="12" name="正方形/長方形 11">
+            <a:extLst>
+              <a:ext uri="{FF2B5EF4-FFF2-40B4-BE49-F238E27FC236}">
+                <a16:creationId xmlns:a16="http://schemas.microsoft.com/office/drawing/2014/main" id="{54EF1591-81BF-4777-9A17-C4853D9327DD}"/>
+              </a:ext>
+            </a:extLst>
+          </p:cNvPr>
+          <p:cNvSpPr/>
+          <p:nvPr/>
+        </p:nvSpPr>
+        <p:spPr>
+          <a:xfrm>
+            <a:off x="5301396" y="3074432"/>
+            <a:ext cx="590550" cy="2345294"/>
+          </a:xfrm>
+          <a:prstGeom prst="rect">
+            <a:avLst/>
+          </a:prstGeom>
+        </p:spPr>
+        <p:style>
+          <a:lnRef idx="2">
+            <a:schemeClr val="accent1">
+              <a:shade val="50000"/>
+            </a:schemeClr>
+          </a:lnRef>
+          <a:fillRef idx="1">
+            <a:schemeClr val="accent1"/>
+          </a:fillRef>
+          <a:effectRef idx="0">
+            <a:schemeClr val="accent1"/>
+          </a:effectRef>
+          <a:fontRef idx="minor">
+            <a:schemeClr val="lt1"/>
+          </a:fontRef>
+        </p:style>
+        <p:txBody>
+          <a:bodyPr rtlCol="0" anchor="ctr"/>
+          <a:lstStyle/>
+          <a:p>
+            <a:pPr algn="ctr"/>
+            <a:endParaRPr kumimoji="1" lang="ja-JP" altLang="en-US"/>
+          </a:p>
+        </p:txBody>
+      </p:sp>
+      <p:sp>
+        <p:nvSpPr>
+          <p:cNvPr id="13" name="正方形/長方形 12">
+            <a:extLst>
+              <a:ext uri="{FF2B5EF4-FFF2-40B4-BE49-F238E27FC236}">
+                <a16:creationId xmlns:a16="http://schemas.microsoft.com/office/drawing/2014/main" id="{0838FFED-3C34-43D2-B2EB-CB0D780D53E2}"/>
+              </a:ext>
+            </a:extLst>
+          </p:cNvPr>
+          <p:cNvSpPr/>
+          <p:nvPr/>
+        </p:nvSpPr>
+        <p:spPr>
+          <a:xfrm>
+            <a:off x="4531885" y="3074432"/>
+            <a:ext cx="590550" cy="2345294"/>
+          </a:xfrm>
+          <a:prstGeom prst="rect">
+            <a:avLst/>
+          </a:prstGeom>
+        </p:spPr>
+        <p:style>
+          <a:lnRef idx="2">
+            <a:schemeClr val="accent1">
+              <a:shade val="50000"/>
+            </a:schemeClr>
+          </a:lnRef>
+          <a:fillRef idx="1">
+            <a:schemeClr val="accent1"/>
+          </a:fillRef>
+          <a:effectRef idx="0">
+            <a:schemeClr val="accent1"/>
+          </a:effectRef>
+          <a:fontRef idx="minor">
+            <a:schemeClr val="lt1"/>
+          </a:fontRef>
+        </p:style>
+        <p:txBody>
+          <a:bodyPr rtlCol="0" anchor="ctr"/>
+          <a:lstStyle/>
+          <a:p>
+            <a:pPr algn="ctr"/>
+            <a:endParaRPr kumimoji="1" lang="ja-JP" altLang="en-US"/>
+          </a:p>
+        </p:txBody>
+      </p:sp>
+      <p:sp>
+        <p:nvSpPr>
+          <p:cNvPr id="14" name="テキスト ボックス 13">
+            <a:extLst>
+              <a:ext uri="{FF2B5EF4-FFF2-40B4-BE49-F238E27FC236}">
+                <a16:creationId xmlns:a16="http://schemas.microsoft.com/office/drawing/2014/main" id="{74E22EBD-60FD-4BB8-B01F-8596C4FA7F5C}"/>
+              </a:ext>
+            </a:extLst>
+          </p:cNvPr>
+          <p:cNvSpPr txBox="1"/>
+          <p:nvPr/>
+        </p:nvSpPr>
+        <p:spPr>
+          <a:xfrm>
+            <a:off x="1267677" y="3397802"/>
+            <a:ext cx="646331" cy="369332"/>
+          </a:xfrm>
+          <a:prstGeom prst="rect">
+            <a:avLst/>
+          </a:prstGeom>
+          <a:noFill/>
+        </p:spPr>
+        <p:txBody>
+          <a:bodyPr wrap="none" rtlCol="0">
+            <a:spAutoFit/>
+          </a:bodyPr>
+          <a:lstStyle/>
+          <a:p>
+            <a:r>
+              <a:rPr kumimoji="1" lang="ja-JP" altLang="en-US" dirty="0"/>
+              <a:t>速度</a:t>
+            </a:r>
+          </a:p>
+        </p:txBody>
+      </p:sp>
+      <p:sp>
+        <p:nvSpPr>
+          <p:cNvPr id="15" name="テキスト ボックス 14">
+            <a:extLst>
+              <a:ext uri="{FF2B5EF4-FFF2-40B4-BE49-F238E27FC236}">
+                <a16:creationId xmlns:a16="http://schemas.microsoft.com/office/drawing/2014/main" id="{DD61DC4E-66A3-4951-B73B-C2615DC09391}"/>
+              </a:ext>
+            </a:extLst>
+          </p:cNvPr>
+          <p:cNvSpPr txBox="1"/>
+          <p:nvPr/>
+        </p:nvSpPr>
+        <p:spPr>
+          <a:xfrm>
+            <a:off x="2037580" y="3397802"/>
+            <a:ext cx="646331" cy="369332"/>
+          </a:xfrm>
+          <a:prstGeom prst="rect">
+            <a:avLst/>
+          </a:prstGeom>
+          <a:noFill/>
+        </p:spPr>
+        <p:txBody>
+          <a:bodyPr wrap="none" rtlCol="0">
+            <a:spAutoFit/>
+          </a:bodyPr>
+          <a:lstStyle/>
+          <a:p>
+            <a:r>
+              <a:rPr kumimoji="1" lang="ja-JP" altLang="en-US" dirty="0"/>
+              <a:t>強さ</a:t>
+            </a:r>
+          </a:p>
+        </p:txBody>
+      </p:sp>
+      <p:sp>
+        <p:nvSpPr>
+          <p:cNvPr id="16" name="テキスト ボックス 15">
+            <a:extLst>
+              <a:ext uri="{FF2B5EF4-FFF2-40B4-BE49-F238E27FC236}">
+                <a16:creationId xmlns:a16="http://schemas.microsoft.com/office/drawing/2014/main" id="{614216D5-CF20-4091-9FE9-33572AD64A3F}"/>
+              </a:ext>
+            </a:extLst>
+          </p:cNvPr>
+          <p:cNvSpPr txBox="1"/>
+          <p:nvPr/>
+        </p:nvSpPr>
+        <p:spPr>
+          <a:xfrm>
+            <a:off x="4503994" y="2550556"/>
+            <a:ext cx="646331" cy="369332"/>
+          </a:xfrm>
+          <a:prstGeom prst="rect">
+            <a:avLst/>
+          </a:prstGeom>
+          <a:noFill/>
+        </p:spPr>
+        <p:txBody>
+          <a:bodyPr wrap="none" rtlCol="0">
+            <a:spAutoFit/>
+          </a:bodyPr>
+          <a:lstStyle/>
+          <a:p>
+            <a:r>
+              <a:rPr kumimoji="1" lang="ja-JP" altLang="en-US" dirty="0"/>
+              <a:t>速度</a:t>
+            </a:r>
+          </a:p>
+        </p:txBody>
+      </p:sp>
+      <p:sp>
+        <p:nvSpPr>
+          <p:cNvPr id="17" name="テキスト ボックス 16">
+            <a:extLst>
+              <a:ext uri="{FF2B5EF4-FFF2-40B4-BE49-F238E27FC236}">
+                <a16:creationId xmlns:a16="http://schemas.microsoft.com/office/drawing/2014/main" id="{372F3D52-F601-48ED-94A2-E29A457B2E13}"/>
+              </a:ext>
+            </a:extLst>
+          </p:cNvPr>
+          <p:cNvSpPr txBox="1"/>
+          <p:nvPr/>
+        </p:nvSpPr>
+        <p:spPr>
+          <a:xfrm>
+            <a:off x="5245615" y="2550556"/>
+            <a:ext cx="646331" cy="369332"/>
+          </a:xfrm>
+          <a:prstGeom prst="rect">
+            <a:avLst/>
+          </a:prstGeom>
+          <a:noFill/>
+        </p:spPr>
+        <p:txBody>
+          <a:bodyPr wrap="none" rtlCol="0">
+            <a:spAutoFit/>
+          </a:bodyPr>
+          <a:lstStyle/>
+          <a:p>
+            <a:r>
+              <a:rPr kumimoji="1" lang="ja-JP" altLang="en-US" dirty="0"/>
+              <a:t>強さ</a:t>
+            </a:r>
+          </a:p>
+        </p:txBody>
+      </p:sp>
+      <p:sp>
+        <p:nvSpPr>
+          <p:cNvPr id="18" name="正方形/長方形 17">
+            <a:extLst>
+              <a:ext uri="{FF2B5EF4-FFF2-40B4-BE49-F238E27FC236}">
+                <a16:creationId xmlns:a16="http://schemas.microsoft.com/office/drawing/2014/main" id="{E1EE500F-3AB9-4A22-BAC2-8568AC081DA6}"/>
+              </a:ext>
+            </a:extLst>
+          </p:cNvPr>
+          <p:cNvSpPr/>
+          <p:nvPr/>
+        </p:nvSpPr>
+        <p:spPr>
+          <a:xfrm>
+            <a:off x="2834590" y="3981448"/>
+            <a:ext cx="590550" cy="1438275"/>
+          </a:xfrm>
+          <a:prstGeom prst="rect">
+            <a:avLst/>
+          </a:prstGeom>
+        </p:spPr>
+        <p:style>
+          <a:lnRef idx="2">
+            <a:schemeClr val="accent1">
+              <a:shade val="50000"/>
+            </a:schemeClr>
+          </a:lnRef>
+          <a:fillRef idx="1">
+            <a:schemeClr val="accent1"/>
+          </a:fillRef>
+          <a:effectRef idx="0">
+            <a:schemeClr val="accent1"/>
+          </a:effectRef>
+          <a:fontRef idx="minor">
+            <a:schemeClr val="lt1"/>
+          </a:fontRef>
+        </p:style>
+        <p:txBody>
+          <a:bodyPr rtlCol="0" anchor="ctr"/>
+          <a:lstStyle/>
+          <a:p>
+            <a:pPr algn="ctr"/>
+            <a:endParaRPr kumimoji="1" lang="ja-JP" altLang="en-US"/>
+          </a:p>
+        </p:txBody>
+      </p:sp>
+      <p:sp>
+        <p:nvSpPr>
+          <p:cNvPr id="19" name="正方形/長方形 18">
+            <a:extLst>
+              <a:ext uri="{FF2B5EF4-FFF2-40B4-BE49-F238E27FC236}">
+                <a16:creationId xmlns:a16="http://schemas.microsoft.com/office/drawing/2014/main" id="{C8862D4B-04F5-498E-87A5-68EE57C1B5FB}"/>
+              </a:ext>
+            </a:extLst>
+          </p:cNvPr>
+          <p:cNvSpPr/>
+          <p:nvPr/>
+        </p:nvSpPr>
+        <p:spPr>
+          <a:xfrm>
+            <a:off x="6070907" y="5050390"/>
+            <a:ext cx="590550" cy="369333"/>
+          </a:xfrm>
+          <a:prstGeom prst="rect">
+            <a:avLst/>
+          </a:prstGeom>
+        </p:spPr>
+        <p:style>
+          <a:lnRef idx="2">
+            <a:schemeClr val="accent1">
+              <a:shade val="50000"/>
+            </a:schemeClr>
+          </a:lnRef>
+          <a:fillRef idx="1">
+            <a:schemeClr val="accent1"/>
+          </a:fillRef>
+          <a:effectRef idx="0">
+            <a:schemeClr val="accent1"/>
+          </a:effectRef>
+          <a:fontRef idx="minor">
+            <a:schemeClr val="lt1"/>
+          </a:fontRef>
+        </p:style>
+        <p:txBody>
+          <a:bodyPr rtlCol="0" anchor="ctr"/>
+          <a:lstStyle/>
+          <a:p>
+            <a:pPr algn="ctr"/>
+            <a:endParaRPr kumimoji="1" lang="ja-JP" altLang="en-US"/>
+          </a:p>
+        </p:txBody>
+      </p:sp>
+      <p:sp>
+        <p:nvSpPr>
+          <p:cNvPr id="20" name="テキスト ボックス 19">
+            <a:extLst>
+              <a:ext uri="{FF2B5EF4-FFF2-40B4-BE49-F238E27FC236}">
+                <a16:creationId xmlns:a16="http://schemas.microsoft.com/office/drawing/2014/main" id="{76252E0B-C68C-4789-8401-E0E849154D13}"/>
+              </a:ext>
+            </a:extLst>
+          </p:cNvPr>
+          <p:cNvSpPr txBox="1"/>
+          <p:nvPr/>
+        </p:nvSpPr>
+        <p:spPr>
+          <a:xfrm>
+            <a:off x="2575867" y="3397802"/>
+            <a:ext cx="1107996" cy="369332"/>
+          </a:xfrm>
+          <a:prstGeom prst="rect">
+            <a:avLst/>
+          </a:prstGeom>
+          <a:noFill/>
+        </p:spPr>
+        <p:txBody>
+          <a:bodyPr wrap="none" rtlCol="0">
+            <a:spAutoFit/>
+          </a:bodyPr>
+          <a:lstStyle/>
+          <a:p>
+            <a:r>
+              <a:rPr kumimoji="1" lang="ja-JP" altLang="en-US" dirty="0"/>
+              <a:t>自由移動</a:t>
+            </a:r>
+          </a:p>
+        </p:txBody>
+      </p:sp>
+      <p:sp>
+        <p:nvSpPr>
+          <p:cNvPr id="21" name="テキスト ボックス 20">
+            <a:extLst>
+              <a:ext uri="{FF2B5EF4-FFF2-40B4-BE49-F238E27FC236}">
+                <a16:creationId xmlns:a16="http://schemas.microsoft.com/office/drawing/2014/main" id="{36901DEB-79FD-487F-BB15-2B0FEA358DCE}"/>
+              </a:ext>
+            </a:extLst>
+          </p:cNvPr>
+          <p:cNvSpPr txBox="1"/>
+          <p:nvPr/>
+        </p:nvSpPr>
+        <p:spPr>
+          <a:xfrm>
+            <a:off x="5853380" y="4603786"/>
+            <a:ext cx="1107996" cy="369332"/>
+          </a:xfrm>
+          <a:prstGeom prst="rect">
+            <a:avLst/>
+          </a:prstGeom>
+          <a:noFill/>
+        </p:spPr>
+        <p:txBody>
+          <a:bodyPr wrap="none" rtlCol="0">
+            <a:spAutoFit/>
+          </a:bodyPr>
+          <a:lstStyle/>
+          <a:p>
+            <a:r>
+              <a:rPr kumimoji="1" lang="ja-JP" altLang="en-US" dirty="0"/>
+              <a:t>自由移動</a:t>
+            </a:r>
+          </a:p>
+        </p:txBody>
+      </p:sp>
+      <p:sp>
+        <p:nvSpPr>
+          <p:cNvPr id="22" name="四角形: 角を丸くする 21">
+            <a:extLst>
+              <a:ext uri="{FF2B5EF4-FFF2-40B4-BE49-F238E27FC236}">
+                <a16:creationId xmlns:a16="http://schemas.microsoft.com/office/drawing/2014/main" id="{3EBA65B2-AB32-4D53-8646-F75DB186649C}"/>
+              </a:ext>
+            </a:extLst>
+          </p:cNvPr>
+          <p:cNvSpPr/>
+          <p:nvPr/>
+        </p:nvSpPr>
+        <p:spPr>
+          <a:xfrm>
+            <a:off x="7403078" y="4452582"/>
+            <a:ext cx="4398396" cy="2205393"/>
+          </a:xfrm>
+          <a:prstGeom prst="roundRect">
+            <a:avLst/>
+          </a:prstGeom>
+        </p:spPr>
+        <p:style>
+          <a:lnRef idx="2">
+            <a:schemeClr val="accent1">
+              <a:shade val="50000"/>
+            </a:schemeClr>
+          </a:lnRef>
+          <a:fillRef idx="1">
+            <a:schemeClr val="accent1"/>
+          </a:fillRef>
+          <a:effectRef idx="0">
+            <a:schemeClr val="accent1"/>
+          </a:effectRef>
+          <a:fontRef idx="minor">
+            <a:schemeClr val="lt1"/>
+          </a:fontRef>
+        </p:style>
+        <p:txBody>
+          <a:bodyPr rtlCol="0" anchor="ctr"/>
+          <a:lstStyle/>
+          <a:p>
+            <a:pPr algn="ctr"/>
+            <a:r>
+              <a:rPr kumimoji="1" lang="ja-JP" altLang="en-US" dirty="0"/>
+              <a:t>パターン</a:t>
+            </a:r>
+            <a:r>
+              <a:rPr kumimoji="1" lang="en-US" altLang="ja-JP" dirty="0"/>
+              <a:t>2</a:t>
+            </a:r>
+            <a:r>
+              <a:rPr kumimoji="1" lang="ja-JP" altLang="en-US" dirty="0"/>
+              <a:t>イメージ</a:t>
+            </a:r>
+          </a:p>
+        </p:txBody>
+      </p:sp>
     </p:spTree>
     <p:extLst>
       <p:ext uri="{BB962C8B-B14F-4D97-AF65-F5344CB8AC3E}">
         <p14:creationId xmlns:p14="http://schemas.microsoft.com/office/powerpoint/2010/main" val="1231458162"/>
+      </p:ext>
+    </p:extLst>
+  </p:cSld>
+  <p:clrMapOvr>
+    <a:masterClrMapping/>
+  </p:clrMapOvr>
+</p:sld>
+</file>
+
+<file path=ppt/slides/slide6.xml><?xml version="1.0" encoding="utf-8"?>
+<p:sld xmlns:a="http://schemas.openxmlformats.org/drawingml/2006/main" xmlns:r="http://schemas.openxmlformats.org/officeDocument/2006/relationships" xmlns:p="http://schemas.openxmlformats.org/presentationml/2006/main">
+  <p:cSld>
+    <p:bg>
+      <p:bgPr>
+        <a:pattFill prst="pct5">
+          <a:fgClr>
+            <a:schemeClr val="accent1"/>
+          </a:fgClr>
+          <a:bgClr>
+            <a:schemeClr val="bg1"/>
+          </a:bgClr>
+        </a:pattFill>
+        <a:effectLst/>
+      </p:bgPr>
+    </p:bg>
+    <p:spTree>
+      <p:nvGrpSpPr>
+        <p:cNvPr id="1" name=""/>
+        <p:cNvGrpSpPr/>
+        <p:nvPr/>
+      </p:nvGrpSpPr>
+      <p:grpSpPr>
+        <a:xfrm>
+          <a:off x="0" y="0"/>
+          <a:ext cx="0" cy="0"/>
+          <a:chOff x="0" y="0"/>
+          <a:chExt cx="0" cy="0"/>
+        </a:xfrm>
+      </p:grpSpPr>
+      <p:cxnSp>
+        <p:nvCxnSpPr>
+          <p:cNvPr id="4" name="直線コネクタ 3">
+            <a:extLst>
+              <a:ext uri="{FF2B5EF4-FFF2-40B4-BE49-F238E27FC236}">
+                <a16:creationId xmlns:a16="http://schemas.microsoft.com/office/drawing/2014/main" id="{034881FA-BBCA-4148-8F58-6ACC723D2476}"/>
+              </a:ext>
+            </a:extLst>
+          </p:cNvPr>
+          <p:cNvCxnSpPr>
+            <a:cxnSpLocks/>
+          </p:cNvCxnSpPr>
+          <p:nvPr/>
+        </p:nvCxnSpPr>
+        <p:spPr>
+          <a:xfrm>
+            <a:off x="0" y="1000125"/>
+            <a:ext cx="12192000" cy="0"/>
+          </a:xfrm>
+          <a:prstGeom prst="line">
+            <a:avLst/>
+          </a:prstGeom>
+          <a:ln w="19050">
+            <a:solidFill>
+              <a:schemeClr val="tx1"/>
+            </a:solidFill>
+          </a:ln>
+        </p:spPr>
+        <p:style>
+          <a:lnRef idx="1">
+            <a:schemeClr val="accent1"/>
+          </a:lnRef>
+          <a:fillRef idx="0">
+            <a:schemeClr val="accent1"/>
+          </a:fillRef>
+          <a:effectRef idx="0">
+            <a:schemeClr val="accent1"/>
+          </a:effectRef>
+          <a:fontRef idx="minor">
+            <a:schemeClr val="tx1"/>
+          </a:fontRef>
+        </p:style>
+      </p:cxnSp>
+      <p:sp>
+        <p:nvSpPr>
+          <p:cNvPr id="5" name="テキスト ボックス 4">
+            <a:extLst>
+              <a:ext uri="{FF2B5EF4-FFF2-40B4-BE49-F238E27FC236}">
+                <a16:creationId xmlns:a16="http://schemas.microsoft.com/office/drawing/2014/main" id="{2E75B723-91BF-4DDE-8EF1-4C9E181B19E7}"/>
+              </a:ext>
+            </a:extLst>
+          </p:cNvPr>
+          <p:cNvSpPr txBox="1"/>
+          <p:nvPr/>
+        </p:nvSpPr>
+        <p:spPr>
+          <a:xfrm>
+            <a:off x="361950" y="276225"/>
+            <a:ext cx="3873176" cy="584775"/>
+          </a:xfrm>
+          <a:prstGeom prst="rect">
+            <a:avLst/>
+          </a:prstGeom>
+          <a:noFill/>
+        </p:spPr>
+        <p:txBody>
+          <a:bodyPr wrap="none" rtlCol="0">
+            <a:spAutoFit/>
+          </a:bodyPr>
+          <a:lstStyle/>
+          <a:p>
+            <a:pPr marL="285750" indent="-285750">
+              <a:buFont typeface="Wingdings" panose="05000000000000000000" pitchFamily="2" charset="2"/>
+              <a:buChar char="u"/>
+            </a:pPr>
+            <a:r>
+              <a:rPr lang="ja-JP" altLang="en-US" sz="3200" b="1" dirty="0"/>
+              <a:t>ステージギミック</a:t>
+            </a:r>
+            <a:endParaRPr kumimoji="1" lang="ja-JP" altLang="en-US" sz="3200" b="1" dirty="0"/>
+          </a:p>
+        </p:txBody>
+      </p:sp>
+      <p:sp>
+        <p:nvSpPr>
+          <p:cNvPr id="6" name="テキスト ボックス 5">
+            <a:extLst>
+              <a:ext uri="{FF2B5EF4-FFF2-40B4-BE49-F238E27FC236}">
+                <a16:creationId xmlns:a16="http://schemas.microsoft.com/office/drawing/2014/main" id="{983B9F06-4D8D-460E-8395-C19E8DBED695}"/>
+              </a:ext>
+            </a:extLst>
+          </p:cNvPr>
+          <p:cNvSpPr txBox="1"/>
+          <p:nvPr/>
+        </p:nvSpPr>
+        <p:spPr>
+          <a:xfrm>
+            <a:off x="704850" y="1676400"/>
+            <a:ext cx="5262979" cy="369332"/>
+          </a:xfrm>
+          <a:prstGeom prst="rect">
+            <a:avLst/>
+          </a:prstGeom>
+          <a:noFill/>
+        </p:spPr>
+        <p:txBody>
+          <a:bodyPr wrap="none" rtlCol="0">
+            <a:spAutoFit/>
+          </a:bodyPr>
+          <a:lstStyle/>
+          <a:p>
+            <a:r>
+              <a:rPr kumimoji="1" lang="ja-JP" altLang="en-US" dirty="0"/>
+              <a:t>〇〇色の突起物はワイヤーをかけることができる</a:t>
+            </a:r>
+          </a:p>
+        </p:txBody>
+      </p:sp>
+      <p:sp>
+        <p:nvSpPr>
+          <p:cNvPr id="8" name="テキスト ボックス 7">
+            <a:extLst>
+              <a:ext uri="{FF2B5EF4-FFF2-40B4-BE49-F238E27FC236}">
+                <a16:creationId xmlns:a16="http://schemas.microsoft.com/office/drawing/2014/main" id="{607502A9-7E32-4254-B814-8709B1C22E78}"/>
+              </a:ext>
+            </a:extLst>
+          </p:cNvPr>
+          <p:cNvSpPr txBox="1"/>
+          <p:nvPr/>
+        </p:nvSpPr>
+        <p:spPr>
+          <a:xfrm>
+            <a:off x="762000" y="3724275"/>
+            <a:ext cx="5955476" cy="369332"/>
+          </a:xfrm>
+          <a:prstGeom prst="rect">
+            <a:avLst/>
+          </a:prstGeom>
+          <a:noFill/>
+        </p:spPr>
+        <p:txBody>
+          <a:bodyPr wrap="none" rtlCol="0">
+            <a:spAutoFit/>
+          </a:bodyPr>
+          <a:lstStyle/>
+          <a:p>
+            <a:r>
+              <a:rPr lang="ja-JP" altLang="en-US" dirty="0"/>
+              <a:t>〇〇色のオブジェクトはワイヤーが触れると切断される</a:t>
+            </a:r>
+            <a:endParaRPr kumimoji="1" lang="ja-JP" altLang="en-US" dirty="0"/>
+          </a:p>
+        </p:txBody>
+      </p:sp>
+    </p:spTree>
+    <p:extLst>
+      <p:ext uri="{BB962C8B-B14F-4D97-AF65-F5344CB8AC3E}">
+        <p14:creationId xmlns:p14="http://schemas.microsoft.com/office/powerpoint/2010/main" val="673685426"/>
       </p:ext>
     </p:extLst>
   </p:cSld>

--- a/後期制作_企画書.pptx
+++ b/後期制作_企画書.pptx
@@ -10,7 +10,8 @@
     <p:sldId id="258" r:id="rId4"/>
     <p:sldId id="259" r:id="rId5"/>
     <p:sldId id="260" r:id="rId6"/>
-    <p:sldId id="261" r:id="rId7"/>
+    <p:sldId id="262" r:id="rId7"/>
+    <p:sldId id="261" r:id="rId8"/>
   </p:sldIdLst>
   <p:sldSz cx="12192000" cy="6858000"/>
   <p:notesSz cx="6858000" cy="9144000"/>
@@ -264,7 +265,7 @@
           <a:p>
             <a:fld id="{B1C67902-FE26-4144-9B2F-636821CEEC5A}" type="datetimeFigureOut">
               <a:rPr kumimoji="1" lang="ja-JP" altLang="en-US" smtClean="0"/>
-              <a:t>2021/10/19</a:t>
+              <a:t>2021/10/21</a:t>
             </a:fld>
             <a:endParaRPr kumimoji="1" lang="ja-JP" altLang="en-US"/>
           </a:p>
@@ -494,7 +495,7 @@
           <a:p>
             <a:fld id="{B1C67902-FE26-4144-9B2F-636821CEEC5A}" type="datetimeFigureOut">
               <a:rPr kumimoji="1" lang="ja-JP" altLang="en-US" smtClean="0"/>
-              <a:t>2021/10/19</a:t>
+              <a:t>2021/10/21</a:t>
             </a:fld>
             <a:endParaRPr kumimoji="1" lang="ja-JP" altLang="en-US"/>
           </a:p>
@@ -734,7 +735,7 @@
           <a:p>
             <a:fld id="{B1C67902-FE26-4144-9B2F-636821CEEC5A}" type="datetimeFigureOut">
               <a:rPr kumimoji="1" lang="ja-JP" altLang="en-US" smtClean="0"/>
-              <a:t>2021/10/19</a:t>
+              <a:t>2021/10/21</a:t>
             </a:fld>
             <a:endParaRPr kumimoji="1" lang="ja-JP" altLang="en-US"/>
           </a:p>
@@ -964,7 +965,7 @@
           <a:p>
             <a:fld id="{B1C67902-FE26-4144-9B2F-636821CEEC5A}" type="datetimeFigureOut">
               <a:rPr kumimoji="1" lang="ja-JP" altLang="en-US" smtClean="0"/>
-              <a:t>2021/10/19</a:t>
+              <a:t>2021/10/21</a:t>
             </a:fld>
             <a:endParaRPr kumimoji="1" lang="ja-JP" altLang="en-US"/>
           </a:p>
@@ -1239,7 +1240,7 @@
           <a:p>
             <a:fld id="{B1C67902-FE26-4144-9B2F-636821CEEC5A}" type="datetimeFigureOut">
               <a:rPr kumimoji="1" lang="ja-JP" altLang="en-US" smtClean="0"/>
-              <a:t>2021/10/19</a:t>
+              <a:t>2021/10/21</a:t>
             </a:fld>
             <a:endParaRPr kumimoji="1" lang="ja-JP" altLang="en-US"/>
           </a:p>
@@ -1568,7 +1569,7 @@
           <a:p>
             <a:fld id="{B1C67902-FE26-4144-9B2F-636821CEEC5A}" type="datetimeFigureOut">
               <a:rPr kumimoji="1" lang="ja-JP" altLang="en-US" smtClean="0"/>
-              <a:t>2021/10/19</a:t>
+              <a:t>2021/10/21</a:t>
             </a:fld>
             <a:endParaRPr kumimoji="1" lang="ja-JP" altLang="en-US"/>
           </a:p>
@@ -2044,7 +2045,7 @@
           <a:p>
             <a:fld id="{B1C67902-FE26-4144-9B2F-636821CEEC5A}" type="datetimeFigureOut">
               <a:rPr kumimoji="1" lang="ja-JP" altLang="en-US" smtClean="0"/>
-              <a:t>2021/10/19</a:t>
+              <a:t>2021/10/21</a:t>
             </a:fld>
             <a:endParaRPr kumimoji="1" lang="ja-JP" altLang="en-US"/>
           </a:p>
@@ -2185,7 +2186,7 @@
           <a:p>
             <a:fld id="{B1C67902-FE26-4144-9B2F-636821CEEC5A}" type="datetimeFigureOut">
               <a:rPr kumimoji="1" lang="ja-JP" altLang="en-US" smtClean="0"/>
-              <a:t>2021/10/19</a:t>
+              <a:t>2021/10/21</a:t>
             </a:fld>
             <a:endParaRPr kumimoji="1" lang="ja-JP" altLang="en-US"/>
           </a:p>
@@ -2298,7 +2299,7 @@
           <a:p>
             <a:fld id="{B1C67902-FE26-4144-9B2F-636821CEEC5A}" type="datetimeFigureOut">
               <a:rPr kumimoji="1" lang="ja-JP" altLang="en-US" smtClean="0"/>
-              <a:t>2021/10/19</a:t>
+              <a:t>2021/10/21</a:t>
             </a:fld>
             <a:endParaRPr kumimoji="1" lang="ja-JP" altLang="en-US"/>
           </a:p>
@@ -2641,7 +2642,7 @@
           <a:p>
             <a:fld id="{B1C67902-FE26-4144-9B2F-636821CEEC5A}" type="datetimeFigureOut">
               <a:rPr kumimoji="1" lang="ja-JP" altLang="en-US" smtClean="0"/>
-              <a:t>2021/10/19</a:t>
+              <a:t>2021/10/21</a:t>
             </a:fld>
             <a:endParaRPr kumimoji="1" lang="ja-JP" altLang="en-US"/>
           </a:p>
@@ -2929,7 +2930,7 @@
           <a:p>
             <a:fld id="{B1C67902-FE26-4144-9B2F-636821CEEC5A}" type="datetimeFigureOut">
               <a:rPr kumimoji="1" lang="ja-JP" altLang="en-US" smtClean="0"/>
-              <a:t>2021/10/19</a:t>
+              <a:t>2021/10/21</a:t>
             </a:fld>
             <a:endParaRPr kumimoji="1" lang="ja-JP" altLang="en-US"/>
           </a:p>
@@ -3202,7 +3203,7 @@
           <a:p>
             <a:fld id="{B1C67902-FE26-4144-9B2F-636821CEEC5A}" type="datetimeFigureOut">
               <a:rPr kumimoji="1" lang="ja-JP" altLang="en-US" smtClean="0"/>
-              <a:t>2021/10/19</a:t>
+              <a:t>2021/10/21</a:t>
             </a:fld>
             <a:endParaRPr kumimoji="1" lang="ja-JP" altLang="en-US"/>
           </a:p>
@@ -5602,7 +5603,7 @@
         </p:nvSpPr>
         <p:spPr>
           <a:xfrm>
-            <a:off x="361948" y="1785582"/>
+            <a:off x="361948" y="1781859"/>
             <a:ext cx="3381375" cy="1695450"/>
           </a:xfrm>
           <a:prstGeom prst="roundRect">
@@ -5651,7 +5652,7 @@
         </p:nvSpPr>
         <p:spPr>
           <a:xfrm>
-            <a:off x="353709" y="3616435"/>
+            <a:off x="361948" y="3594459"/>
             <a:ext cx="5493812" cy="646331"/>
           </a:xfrm>
           <a:prstGeom prst="rect">
@@ -5702,7 +5703,7 @@
         </p:nvSpPr>
         <p:spPr>
           <a:xfrm>
-            <a:off x="361948" y="6093619"/>
+            <a:off x="361950" y="4297387"/>
             <a:ext cx="5955476" cy="646331"/>
           </a:xfrm>
           <a:prstGeom prst="rect">
@@ -5748,7 +5749,7 @@
         </p:nvSpPr>
         <p:spPr>
           <a:xfrm>
-            <a:off x="361948" y="4262766"/>
+            <a:off x="361948" y="5079120"/>
             <a:ext cx="3381375" cy="1695450"/>
           </a:xfrm>
           <a:prstGeom prst="roundRect">
@@ -5922,7 +5923,7 @@
         <p:spPr>
           <a:xfrm>
             <a:off x="361950" y="276225"/>
-            <a:ext cx="6335389" cy="584775"/>
+            <a:ext cx="7566495" cy="584775"/>
           </a:xfrm>
           <a:prstGeom prst="rect">
             <a:avLst/>
@@ -5941,7 +5942,7 @@
             </a:pPr>
             <a:r>
               <a:rPr lang="ja-JP" altLang="en-US" sz="3200" b="1" dirty="0"/>
-              <a:t>プレイヤーの繰り出すワイヤー</a:t>
+              <a:t>プレイヤーの繰り出すワイヤータイプ</a:t>
             </a:r>
             <a:endParaRPr kumimoji="1" lang="ja-JP" altLang="en-US" sz="3200" b="1" dirty="0"/>
           </a:p>
@@ -6804,7 +6805,7 @@
           <p:cNvPr id="4" name="直線コネクタ 3">
             <a:extLst>
               <a:ext uri="{FF2B5EF4-FFF2-40B4-BE49-F238E27FC236}">
-                <a16:creationId xmlns:a16="http://schemas.microsoft.com/office/drawing/2014/main" id="{034881FA-BBCA-4148-8F58-6ACC723D2476}"/>
+                <a16:creationId xmlns:a16="http://schemas.microsoft.com/office/drawing/2014/main" id="{3C5F95F9-CE84-4608-8101-7C621FCE0DAE}"/>
               </a:ext>
             </a:extLst>
           </p:cNvPr>
@@ -6847,7 +6848,7 @@
           <p:cNvPr id="5" name="テキスト ボックス 4">
             <a:extLst>
               <a:ext uri="{FF2B5EF4-FFF2-40B4-BE49-F238E27FC236}">
-                <a16:creationId xmlns:a16="http://schemas.microsoft.com/office/drawing/2014/main" id="{2E75B723-91BF-4DDE-8EF1-4C9E181B19E7}"/>
+                <a16:creationId xmlns:a16="http://schemas.microsoft.com/office/drawing/2014/main" id="{228A023A-AF01-46F0-9842-8CC62CF2AC01}"/>
               </a:ext>
             </a:extLst>
           </p:cNvPr>
@@ -6857,7 +6858,7 @@
         <p:spPr>
           <a:xfrm>
             <a:off x="361950" y="276225"/>
-            <a:ext cx="3873176" cy="584775"/>
+            <a:ext cx="5514651" cy="584775"/>
           </a:xfrm>
           <a:prstGeom prst="rect">
             <a:avLst/>
@@ -6876,7 +6877,7 @@
             </a:pPr>
             <a:r>
               <a:rPr lang="ja-JP" altLang="en-US" sz="3200" b="1" dirty="0"/>
-              <a:t>ステージギミック</a:t>
+              <a:t>ワイヤーの基本アクション</a:t>
             </a:r>
             <a:endParaRPr kumimoji="1" lang="ja-JP" altLang="en-US" sz="3200" b="1" dirty="0"/>
           </a:p>
@@ -6887,7 +6888,7 @@
           <p:cNvPr id="6" name="テキスト ボックス 5">
             <a:extLst>
               <a:ext uri="{FF2B5EF4-FFF2-40B4-BE49-F238E27FC236}">
-                <a16:creationId xmlns:a16="http://schemas.microsoft.com/office/drawing/2014/main" id="{983B9F06-4D8D-460E-8395-C19E8DBED695}"/>
+                <a16:creationId xmlns:a16="http://schemas.microsoft.com/office/drawing/2014/main" id="{9DADAB84-FBEE-48AF-A98F-27F63C218C81}"/>
               </a:ext>
             </a:extLst>
           </p:cNvPr>
@@ -6896,8 +6897,8 @@
         </p:nvSpPr>
         <p:spPr>
           <a:xfrm>
-            <a:off x="704850" y="1676400"/>
-            <a:ext cx="5262979" cy="369332"/>
+            <a:off x="1133475" y="1619250"/>
+            <a:ext cx="2723823" cy="923330"/>
           </a:xfrm>
           <a:prstGeom prst="rect">
             <a:avLst/>
@@ -6911,18 +6912,33 @@
           <a:lstStyle/>
           <a:p>
             <a:r>
-              <a:rPr kumimoji="1" lang="ja-JP" altLang="en-US" dirty="0"/>
-              <a:t>〇〇色の突起物はワイヤーをかけることができる</a:t>
-            </a:r>
-          </a:p>
-        </p:txBody>
-      </p:sp>
-      <p:sp>
-        <p:nvSpPr>
-          <p:cNvPr id="8" name="テキスト ボックス 7">
-            <a:extLst>
-              <a:ext uri="{FF2B5EF4-FFF2-40B4-BE49-F238E27FC236}">
-                <a16:creationId xmlns:a16="http://schemas.microsoft.com/office/drawing/2014/main" id="{607502A9-7E32-4254-B814-8709B1C22E78}"/>
+              <a:rPr lang="ja-JP" altLang="en-US" dirty="0"/>
+              <a:t>敵に対して</a:t>
+            </a:r>
+            <a:endParaRPr lang="en-US" altLang="ja-JP" dirty="0"/>
+          </a:p>
+          <a:p>
+            <a:r>
+              <a:rPr lang="ja-JP" altLang="en-US" dirty="0"/>
+              <a:t>チャージ「飛びつく」</a:t>
+            </a:r>
+            <a:endParaRPr lang="en-US" altLang="ja-JP" dirty="0"/>
+          </a:p>
+          <a:p>
+            <a:r>
+              <a:rPr lang="ja-JP" altLang="en-US" dirty="0"/>
+              <a:t>なし　　「引き寄せる」</a:t>
+            </a:r>
+            <a:endParaRPr kumimoji="1" lang="ja-JP" altLang="en-US" dirty="0"/>
+          </a:p>
+        </p:txBody>
+      </p:sp>
+      <p:sp>
+        <p:nvSpPr>
+          <p:cNvPr id="7" name="テキスト ボックス 6">
+            <a:extLst>
+              <a:ext uri="{FF2B5EF4-FFF2-40B4-BE49-F238E27FC236}">
+                <a16:creationId xmlns:a16="http://schemas.microsoft.com/office/drawing/2014/main" id="{4177D8D6-886F-4624-8B15-4A54A5470995}"/>
               </a:ext>
             </a:extLst>
           </p:cNvPr>
@@ -6931,8 +6947,8 @@
         </p:nvSpPr>
         <p:spPr>
           <a:xfrm>
-            <a:off x="762000" y="3724275"/>
-            <a:ext cx="5955476" cy="369332"/>
+            <a:off x="5705475" y="1619250"/>
+            <a:ext cx="5955476" cy="923330"/>
           </a:xfrm>
           <a:prstGeom prst="rect">
             <a:avLst/>
@@ -6946,10 +6962,250 @@
           <a:lstStyle/>
           <a:p>
             <a:r>
+              <a:rPr kumimoji="1" lang="ja-JP" altLang="en-US" dirty="0"/>
+              <a:t>壁に対して</a:t>
+            </a:r>
+            <a:endParaRPr kumimoji="1" lang="en-US" altLang="ja-JP" dirty="0"/>
+          </a:p>
+          <a:p>
+            <a:r>
+              <a:rPr lang="ja-JP" altLang="en-US" dirty="0"/>
+              <a:t>チャージ「飛びつく」</a:t>
+            </a:r>
+            <a:endParaRPr lang="en-US" altLang="ja-JP" dirty="0"/>
+          </a:p>
+          <a:p>
+            <a:r>
+              <a:rPr kumimoji="1" lang="ja-JP" altLang="en-US" dirty="0"/>
+              <a:t>なし　　「一定距離まで近づいたのちぶら下がり状態」</a:t>
+            </a:r>
+          </a:p>
+        </p:txBody>
+      </p:sp>
+      <p:sp>
+        <p:nvSpPr>
+          <p:cNvPr id="8" name="テキスト ボックス 7">
+            <a:extLst>
+              <a:ext uri="{FF2B5EF4-FFF2-40B4-BE49-F238E27FC236}">
+                <a16:creationId xmlns:a16="http://schemas.microsoft.com/office/drawing/2014/main" id="{A7A881CE-D39A-40B6-94CB-8C33850B4B77}"/>
+              </a:ext>
+            </a:extLst>
+          </p:cNvPr>
+          <p:cNvSpPr txBox="1"/>
+          <p:nvPr/>
+        </p:nvSpPr>
+        <p:spPr>
+          <a:xfrm>
+            <a:off x="1133475" y="5410200"/>
+            <a:ext cx="3416320" cy="646331"/>
+          </a:xfrm>
+          <a:prstGeom prst="rect">
+            <a:avLst/>
+          </a:prstGeom>
+          <a:noFill/>
+        </p:spPr>
+        <p:txBody>
+          <a:bodyPr wrap="none" rtlCol="0">
+            <a:spAutoFit/>
+          </a:bodyPr>
+          <a:lstStyle/>
+          <a:p>
+            <a:r>
+              <a:rPr kumimoji="1" lang="ja-JP" altLang="en-US" dirty="0"/>
+              <a:t>アンカーに対して</a:t>
+            </a:r>
+            <a:endParaRPr kumimoji="1" lang="en-US" altLang="ja-JP" dirty="0"/>
+          </a:p>
+          <a:p>
+            <a:r>
+              <a:rPr lang="ja-JP" altLang="en-US" dirty="0"/>
+              <a:t>チャージ変化なし「イベント」</a:t>
+            </a:r>
+            <a:endParaRPr kumimoji="1" lang="ja-JP" altLang="en-US" dirty="0"/>
+          </a:p>
+        </p:txBody>
+      </p:sp>
+    </p:spTree>
+    <p:extLst>
+      <p:ext uri="{BB962C8B-B14F-4D97-AF65-F5344CB8AC3E}">
+        <p14:creationId xmlns:p14="http://schemas.microsoft.com/office/powerpoint/2010/main" val="2273475841"/>
+      </p:ext>
+    </p:extLst>
+  </p:cSld>
+  <p:clrMapOvr>
+    <a:masterClrMapping/>
+  </p:clrMapOvr>
+</p:sld>
+</file>
+
+<file path=ppt/slides/slide7.xml><?xml version="1.0" encoding="utf-8"?>
+<p:sld xmlns:a="http://schemas.openxmlformats.org/drawingml/2006/main" xmlns:r="http://schemas.openxmlformats.org/officeDocument/2006/relationships" xmlns:p="http://schemas.openxmlformats.org/presentationml/2006/main">
+  <p:cSld>
+    <p:bg>
+      <p:bgPr>
+        <a:pattFill prst="pct5">
+          <a:fgClr>
+            <a:schemeClr val="accent1"/>
+          </a:fgClr>
+          <a:bgClr>
+            <a:schemeClr val="bg1"/>
+          </a:bgClr>
+        </a:pattFill>
+        <a:effectLst/>
+      </p:bgPr>
+    </p:bg>
+    <p:spTree>
+      <p:nvGrpSpPr>
+        <p:cNvPr id="1" name=""/>
+        <p:cNvGrpSpPr/>
+        <p:nvPr/>
+      </p:nvGrpSpPr>
+      <p:grpSpPr>
+        <a:xfrm>
+          <a:off x="0" y="0"/>
+          <a:ext cx="0" cy="0"/>
+          <a:chOff x="0" y="0"/>
+          <a:chExt cx="0" cy="0"/>
+        </a:xfrm>
+      </p:grpSpPr>
+      <p:cxnSp>
+        <p:nvCxnSpPr>
+          <p:cNvPr id="4" name="直線コネクタ 3">
+            <a:extLst>
+              <a:ext uri="{FF2B5EF4-FFF2-40B4-BE49-F238E27FC236}">
+                <a16:creationId xmlns:a16="http://schemas.microsoft.com/office/drawing/2014/main" id="{034881FA-BBCA-4148-8F58-6ACC723D2476}"/>
+              </a:ext>
+            </a:extLst>
+          </p:cNvPr>
+          <p:cNvCxnSpPr>
+            <a:cxnSpLocks/>
+          </p:cNvCxnSpPr>
+          <p:nvPr/>
+        </p:nvCxnSpPr>
+        <p:spPr>
+          <a:xfrm>
+            <a:off x="0" y="1000125"/>
+            <a:ext cx="12192000" cy="0"/>
+          </a:xfrm>
+          <a:prstGeom prst="line">
+            <a:avLst/>
+          </a:prstGeom>
+          <a:ln w="19050">
+            <a:solidFill>
+              <a:schemeClr val="tx1"/>
+            </a:solidFill>
+          </a:ln>
+        </p:spPr>
+        <p:style>
+          <a:lnRef idx="1">
+            <a:schemeClr val="accent1"/>
+          </a:lnRef>
+          <a:fillRef idx="0">
+            <a:schemeClr val="accent1"/>
+          </a:fillRef>
+          <a:effectRef idx="0">
+            <a:schemeClr val="accent1"/>
+          </a:effectRef>
+          <a:fontRef idx="minor">
+            <a:schemeClr val="tx1"/>
+          </a:fontRef>
+        </p:style>
+      </p:cxnSp>
+      <p:sp>
+        <p:nvSpPr>
+          <p:cNvPr id="5" name="テキスト ボックス 4">
+            <a:extLst>
+              <a:ext uri="{FF2B5EF4-FFF2-40B4-BE49-F238E27FC236}">
+                <a16:creationId xmlns:a16="http://schemas.microsoft.com/office/drawing/2014/main" id="{2E75B723-91BF-4DDE-8EF1-4C9E181B19E7}"/>
+              </a:ext>
+            </a:extLst>
+          </p:cNvPr>
+          <p:cNvSpPr txBox="1"/>
+          <p:nvPr/>
+        </p:nvSpPr>
+        <p:spPr>
+          <a:xfrm>
+            <a:off x="361950" y="276225"/>
+            <a:ext cx="3873176" cy="584775"/>
+          </a:xfrm>
+          <a:prstGeom prst="rect">
+            <a:avLst/>
+          </a:prstGeom>
+          <a:noFill/>
+        </p:spPr>
+        <p:txBody>
+          <a:bodyPr wrap="none" rtlCol="0">
+            <a:spAutoFit/>
+          </a:bodyPr>
+          <a:lstStyle/>
+          <a:p>
+            <a:pPr marL="285750" indent="-285750">
+              <a:buFont typeface="Wingdings" panose="05000000000000000000" pitchFamily="2" charset="2"/>
+              <a:buChar char="u"/>
+            </a:pPr>
+            <a:r>
+              <a:rPr lang="ja-JP" altLang="en-US" sz="3200" b="1" dirty="0"/>
+              <a:t>ステージギミック</a:t>
+            </a:r>
+            <a:endParaRPr kumimoji="1" lang="ja-JP" altLang="en-US" sz="3200" b="1" dirty="0"/>
+          </a:p>
+        </p:txBody>
+      </p:sp>
+      <p:sp>
+        <p:nvSpPr>
+          <p:cNvPr id="6" name="テキスト ボックス 5">
+            <a:extLst>
+              <a:ext uri="{FF2B5EF4-FFF2-40B4-BE49-F238E27FC236}">
+                <a16:creationId xmlns:a16="http://schemas.microsoft.com/office/drawing/2014/main" id="{983B9F06-4D8D-460E-8395-C19E8DBED695}"/>
+              </a:ext>
+            </a:extLst>
+          </p:cNvPr>
+          <p:cNvSpPr txBox="1"/>
+          <p:nvPr/>
+        </p:nvSpPr>
+        <p:spPr>
+          <a:xfrm>
+            <a:off x="361950" y="1374559"/>
+            <a:ext cx="6417141" cy="923330"/>
+          </a:xfrm>
+          <a:prstGeom prst="rect">
+            <a:avLst/>
+          </a:prstGeom>
+          <a:noFill/>
+        </p:spPr>
+        <p:txBody>
+          <a:bodyPr wrap="none" rtlCol="0">
+            <a:spAutoFit/>
+          </a:bodyPr>
+          <a:lstStyle/>
+          <a:p>
+            <a:r>
+              <a:rPr kumimoji="1" lang="ja-JP" altLang="en-US" dirty="0"/>
+              <a:t>ワイヤーをかけられる場所はわかりやすいように</a:t>
+            </a:r>
+            <a:endParaRPr kumimoji="1" lang="en-US" altLang="ja-JP" dirty="0"/>
+          </a:p>
+          <a:p>
+            <a:r>
+              <a:rPr kumimoji="1" lang="ja-JP" altLang="en-US" dirty="0"/>
+              <a:t>「〇〇色の突起物はワイヤーをかけることができる」</a:t>
+            </a:r>
+            <a:endParaRPr kumimoji="1" lang="en-US" altLang="ja-JP" dirty="0"/>
+          </a:p>
+          <a:p>
+            <a:r>
+              <a:rPr kumimoji="1" lang="ja-JP" altLang="en-US" dirty="0"/>
+              <a:t>「</a:t>
+            </a:r>
+            <a:r>
               <a:rPr lang="ja-JP" altLang="en-US" dirty="0"/>
               <a:t>〇〇色のオブジェクトはワイヤーが触れると切断される</a:t>
             </a:r>
-            <a:endParaRPr kumimoji="1" lang="ja-JP" altLang="en-US" dirty="0"/>
+            <a:r>
+              <a:rPr kumimoji="1" lang="ja-JP" altLang="en-US" dirty="0"/>
+              <a:t>」</a:t>
+            </a:r>
+            <a:endParaRPr kumimoji="1" lang="en-US" altLang="ja-JP" dirty="0"/>
           </a:p>
         </p:txBody>
       </p:sp>

--- a/後期制作_企画書.pptx
+++ b/後期制作_企画書.pptx
@@ -265,7 +265,7 @@
           <a:p>
             <a:fld id="{B1C67902-FE26-4144-9B2F-636821CEEC5A}" type="datetimeFigureOut">
               <a:rPr kumimoji="1" lang="ja-JP" altLang="en-US" smtClean="0"/>
-              <a:t>2021/10/21</a:t>
+              <a:t>2021/10/22</a:t>
             </a:fld>
             <a:endParaRPr kumimoji="1" lang="ja-JP" altLang="en-US"/>
           </a:p>
@@ -495,7 +495,7 @@
           <a:p>
             <a:fld id="{B1C67902-FE26-4144-9B2F-636821CEEC5A}" type="datetimeFigureOut">
               <a:rPr kumimoji="1" lang="ja-JP" altLang="en-US" smtClean="0"/>
-              <a:t>2021/10/21</a:t>
+              <a:t>2021/10/22</a:t>
             </a:fld>
             <a:endParaRPr kumimoji="1" lang="ja-JP" altLang="en-US"/>
           </a:p>
@@ -735,7 +735,7 @@
           <a:p>
             <a:fld id="{B1C67902-FE26-4144-9B2F-636821CEEC5A}" type="datetimeFigureOut">
               <a:rPr kumimoji="1" lang="ja-JP" altLang="en-US" smtClean="0"/>
-              <a:t>2021/10/21</a:t>
+              <a:t>2021/10/22</a:t>
             </a:fld>
             <a:endParaRPr kumimoji="1" lang="ja-JP" altLang="en-US"/>
           </a:p>
@@ -965,7 +965,7 @@
           <a:p>
             <a:fld id="{B1C67902-FE26-4144-9B2F-636821CEEC5A}" type="datetimeFigureOut">
               <a:rPr kumimoji="1" lang="ja-JP" altLang="en-US" smtClean="0"/>
-              <a:t>2021/10/21</a:t>
+              <a:t>2021/10/22</a:t>
             </a:fld>
             <a:endParaRPr kumimoji="1" lang="ja-JP" altLang="en-US"/>
           </a:p>
@@ -1240,7 +1240,7 @@
           <a:p>
             <a:fld id="{B1C67902-FE26-4144-9B2F-636821CEEC5A}" type="datetimeFigureOut">
               <a:rPr kumimoji="1" lang="ja-JP" altLang="en-US" smtClean="0"/>
-              <a:t>2021/10/21</a:t>
+              <a:t>2021/10/22</a:t>
             </a:fld>
             <a:endParaRPr kumimoji="1" lang="ja-JP" altLang="en-US"/>
           </a:p>
@@ -1569,7 +1569,7 @@
           <a:p>
             <a:fld id="{B1C67902-FE26-4144-9B2F-636821CEEC5A}" type="datetimeFigureOut">
               <a:rPr kumimoji="1" lang="ja-JP" altLang="en-US" smtClean="0"/>
-              <a:t>2021/10/21</a:t>
+              <a:t>2021/10/22</a:t>
             </a:fld>
             <a:endParaRPr kumimoji="1" lang="ja-JP" altLang="en-US"/>
           </a:p>
@@ -2045,7 +2045,7 @@
           <a:p>
             <a:fld id="{B1C67902-FE26-4144-9B2F-636821CEEC5A}" type="datetimeFigureOut">
               <a:rPr kumimoji="1" lang="ja-JP" altLang="en-US" smtClean="0"/>
-              <a:t>2021/10/21</a:t>
+              <a:t>2021/10/22</a:t>
             </a:fld>
             <a:endParaRPr kumimoji="1" lang="ja-JP" altLang="en-US"/>
           </a:p>
@@ -2186,7 +2186,7 @@
           <a:p>
             <a:fld id="{B1C67902-FE26-4144-9B2F-636821CEEC5A}" type="datetimeFigureOut">
               <a:rPr kumimoji="1" lang="ja-JP" altLang="en-US" smtClean="0"/>
-              <a:t>2021/10/21</a:t>
+              <a:t>2021/10/22</a:t>
             </a:fld>
             <a:endParaRPr kumimoji="1" lang="ja-JP" altLang="en-US"/>
           </a:p>
@@ -2299,7 +2299,7 @@
           <a:p>
             <a:fld id="{B1C67902-FE26-4144-9B2F-636821CEEC5A}" type="datetimeFigureOut">
               <a:rPr kumimoji="1" lang="ja-JP" altLang="en-US" smtClean="0"/>
-              <a:t>2021/10/21</a:t>
+              <a:t>2021/10/22</a:t>
             </a:fld>
             <a:endParaRPr kumimoji="1" lang="ja-JP" altLang="en-US"/>
           </a:p>
@@ -2642,7 +2642,7 @@
           <a:p>
             <a:fld id="{B1C67902-FE26-4144-9B2F-636821CEEC5A}" type="datetimeFigureOut">
               <a:rPr kumimoji="1" lang="ja-JP" altLang="en-US" smtClean="0"/>
-              <a:t>2021/10/21</a:t>
+              <a:t>2021/10/22</a:t>
             </a:fld>
             <a:endParaRPr kumimoji="1" lang="ja-JP" altLang="en-US"/>
           </a:p>
@@ -2930,7 +2930,7 @@
           <a:p>
             <a:fld id="{B1C67902-FE26-4144-9B2F-636821CEEC5A}" type="datetimeFigureOut">
               <a:rPr kumimoji="1" lang="ja-JP" altLang="en-US" smtClean="0"/>
-              <a:t>2021/10/21</a:t>
+              <a:t>2021/10/22</a:t>
             </a:fld>
             <a:endParaRPr kumimoji="1" lang="ja-JP" altLang="en-US"/>
           </a:p>
@@ -3203,7 +3203,7 @@
           <a:p>
             <a:fld id="{B1C67902-FE26-4144-9B2F-636821CEEC5A}" type="datetimeFigureOut">
               <a:rPr kumimoji="1" lang="ja-JP" altLang="en-US" smtClean="0"/>
-              <a:t>2021/10/21</a:t>
+              <a:t>2021/10/22</a:t>
             </a:fld>
             <a:endParaRPr kumimoji="1" lang="ja-JP" altLang="en-US"/>
           </a:p>
@@ -4872,7 +4872,7 @@
         </p:nvSpPr>
         <p:spPr>
           <a:xfrm>
-            <a:off x="2047875" y="1771650"/>
+            <a:off x="1928812" y="3342998"/>
             <a:ext cx="8334375" cy="2171700"/>
           </a:xfrm>
           <a:prstGeom prst="parallelogram">

--- a/後期制作_企画書.pptx
+++ b/後期制作_企画書.pptx
@@ -12,6 +12,7 @@
     <p:sldId id="260" r:id="rId6"/>
     <p:sldId id="262" r:id="rId7"/>
     <p:sldId id="261" r:id="rId8"/>
+    <p:sldId id="263" r:id="rId9"/>
   </p:sldIdLst>
   <p:sldSz cx="12192000" cy="6858000"/>
   <p:notesSz cx="6858000" cy="9144000"/>
@@ -265,7 +266,7 @@
           <a:p>
             <a:fld id="{B1C67902-FE26-4144-9B2F-636821CEEC5A}" type="datetimeFigureOut">
               <a:rPr kumimoji="1" lang="ja-JP" altLang="en-US" smtClean="0"/>
-              <a:t>2021/10/22</a:t>
+              <a:t>2021/11/8</a:t>
             </a:fld>
             <a:endParaRPr kumimoji="1" lang="ja-JP" altLang="en-US"/>
           </a:p>
@@ -495,7 +496,7 @@
           <a:p>
             <a:fld id="{B1C67902-FE26-4144-9B2F-636821CEEC5A}" type="datetimeFigureOut">
               <a:rPr kumimoji="1" lang="ja-JP" altLang="en-US" smtClean="0"/>
-              <a:t>2021/10/22</a:t>
+              <a:t>2021/11/8</a:t>
             </a:fld>
             <a:endParaRPr kumimoji="1" lang="ja-JP" altLang="en-US"/>
           </a:p>
@@ -735,7 +736,7 @@
           <a:p>
             <a:fld id="{B1C67902-FE26-4144-9B2F-636821CEEC5A}" type="datetimeFigureOut">
               <a:rPr kumimoji="1" lang="ja-JP" altLang="en-US" smtClean="0"/>
-              <a:t>2021/10/22</a:t>
+              <a:t>2021/11/8</a:t>
             </a:fld>
             <a:endParaRPr kumimoji="1" lang="ja-JP" altLang="en-US"/>
           </a:p>
@@ -965,7 +966,7 @@
           <a:p>
             <a:fld id="{B1C67902-FE26-4144-9B2F-636821CEEC5A}" type="datetimeFigureOut">
               <a:rPr kumimoji="1" lang="ja-JP" altLang="en-US" smtClean="0"/>
-              <a:t>2021/10/22</a:t>
+              <a:t>2021/11/8</a:t>
             </a:fld>
             <a:endParaRPr kumimoji="1" lang="ja-JP" altLang="en-US"/>
           </a:p>
@@ -1240,7 +1241,7 @@
           <a:p>
             <a:fld id="{B1C67902-FE26-4144-9B2F-636821CEEC5A}" type="datetimeFigureOut">
               <a:rPr kumimoji="1" lang="ja-JP" altLang="en-US" smtClean="0"/>
-              <a:t>2021/10/22</a:t>
+              <a:t>2021/11/8</a:t>
             </a:fld>
             <a:endParaRPr kumimoji="1" lang="ja-JP" altLang="en-US"/>
           </a:p>
@@ -1569,7 +1570,7 @@
           <a:p>
             <a:fld id="{B1C67902-FE26-4144-9B2F-636821CEEC5A}" type="datetimeFigureOut">
               <a:rPr kumimoji="1" lang="ja-JP" altLang="en-US" smtClean="0"/>
-              <a:t>2021/10/22</a:t>
+              <a:t>2021/11/8</a:t>
             </a:fld>
             <a:endParaRPr kumimoji="1" lang="ja-JP" altLang="en-US"/>
           </a:p>
@@ -2045,7 +2046,7 @@
           <a:p>
             <a:fld id="{B1C67902-FE26-4144-9B2F-636821CEEC5A}" type="datetimeFigureOut">
               <a:rPr kumimoji="1" lang="ja-JP" altLang="en-US" smtClean="0"/>
-              <a:t>2021/10/22</a:t>
+              <a:t>2021/11/8</a:t>
             </a:fld>
             <a:endParaRPr kumimoji="1" lang="ja-JP" altLang="en-US"/>
           </a:p>
@@ -2186,7 +2187,7 @@
           <a:p>
             <a:fld id="{B1C67902-FE26-4144-9B2F-636821CEEC5A}" type="datetimeFigureOut">
               <a:rPr kumimoji="1" lang="ja-JP" altLang="en-US" smtClean="0"/>
-              <a:t>2021/10/22</a:t>
+              <a:t>2021/11/8</a:t>
             </a:fld>
             <a:endParaRPr kumimoji="1" lang="ja-JP" altLang="en-US"/>
           </a:p>
@@ -2299,7 +2300,7 @@
           <a:p>
             <a:fld id="{B1C67902-FE26-4144-9B2F-636821CEEC5A}" type="datetimeFigureOut">
               <a:rPr kumimoji="1" lang="ja-JP" altLang="en-US" smtClean="0"/>
-              <a:t>2021/10/22</a:t>
+              <a:t>2021/11/8</a:t>
             </a:fld>
             <a:endParaRPr kumimoji="1" lang="ja-JP" altLang="en-US"/>
           </a:p>
@@ -2642,7 +2643,7 @@
           <a:p>
             <a:fld id="{B1C67902-FE26-4144-9B2F-636821CEEC5A}" type="datetimeFigureOut">
               <a:rPr kumimoji="1" lang="ja-JP" altLang="en-US" smtClean="0"/>
-              <a:t>2021/10/22</a:t>
+              <a:t>2021/11/8</a:t>
             </a:fld>
             <a:endParaRPr kumimoji="1" lang="ja-JP" altLang="en-US"/>
           </a:p>
@@ -2930,7 +2931,7 @@
           <a:p>
             <a:fld id="{B1C67902-FE26-4144-9B2F-636821CEEC5A}" type="datetimeFigureOut">
               <a:rPr kumimoji="1" lang="ja-JP" altLang="en-US" smtClean="0"/>
-              <a:t>2021/10/22</a:t>
+              <a:t>2021/11/8</a:t>
             </a:fld>
             <a:endParaRPr kumimoji="1" lang="ja-JP" altLang="en-US"/>
           </a:p>
@@ -3203,7 +3204,7 @@
           <a:p>
             <a:fld id="{B1C67902-FE26-4144-9B2F-636821CEEC5A}" type="datetimeFigureOut">
               <a:rPr kumimoji="1" lang="ja-JP" altLang="en-US" smtClean="0"/>
-              <a:t>2021/10/22</a:t>
+              <a:t>2021/11/8</a:t>
             </a:fld>
             <a:endParaRPr kumimoji="1" lang="ja-JP" altLang="en-US"/>
           </a:p>
@@ -7222,6 +7223,640 @@
 </p:sld>
 </file>
 
+<file path=ppt/slides/slide8.xml><?xml version="1.0" encoding="utf-8"?>
+<p:sld xmlns:a="http://schemas.openxmlformats.org/drawingml/2006/main" xmlns:r="http://schemas.openxmlformats.org/officeDocument/2006/relationships" xmlns:p="http://schemas.openxmlformats.org/presentationml/2006/main">
+  <p:cSld>
+    <p:bg>
+      <p:bgPr>
+        <a:pattFill prst="pct5">
+          <a:fgClr>
+            <a:schemeClr val="accent1"/>
+          </a:fgClr>
+          <a:bgClr>
+            <a:schemeClr val="bg1"/>
+          </a:bgClr>
+        </a:pattFill>
+        <a:effectLst/>
+      </p:bgPr>
+    </p:bg>
+    <p:spTree>
+      <p:nvGrpSpPr>
+        <p:cNvPr id="1" name=""/>
+        <p:cNvGrpSpPr/>
+        <p:nvPr/>
+      </p:nvGrpSpPr>
+      <p:grpSpPr>
+        <a:xfrm>
+          <a:off x="0" y="0"/>
+          <a:ext cx="0" cy="0"/>
+          <a:chOff x="0" y="0"/>
+          <a:chExt cx="0" cy="0"/>
+        </a:xfrm>
+      </p:grpSpPr>
+      <p:sp>
+        <p:nvSpPr>
+          <p:cNvPr id="4" name="テキスト ボックス 3">
+            <a:extLst>
+              <a:ext uri="{FF2B5EF4-FFF2-40B4-BE49-F238E27FC236}">
+                <a16:creationId xmlns:a16="http://schemas.microsoft.com/office/drawing/2014/main" id="{05029629-5F1D-4E60-9BB2-B9861668BC01}"/>
+              </a:ext>
+            </a:extLst>
+          </p:cNvPr>
+          <p:cNvSpPr txBox="1"/>
+          <p:nvPr/>
+        </p:nvSpPr>
+        <p:spPr>
+          <a:xfrm>
+            <a:off x="397042" y="481263"/>
+            <a:ext cx="11495455" cy="923330"/>
+          </a:xfrm>
+          <a:prstGeom prst="rect">
+            <a:avLst/>
+          </a:prstGeom>
+          <a:noFill/>
+        </p:spPr>
+        <p:txBody>
+          <a:bodyPr wrap="none" rtlCol="0">
+            <a:spAutoFit/>
+          </a:bodyPr>
+          <a:lstStyle/>
+          <a:p>
+            <a:r>
+              <a:rPr lang="ja-JP" altLang="en-US" dirty="0"/>
+              <a:t>無力な「勇者」</a:t>
+            </a:r>
+            <a:r>
+              <a:rPr kumimoji="1" lang="ja-JP" altLang="en-US" dirty="0"/>
+              <a:t>と人類の魔物との争いは終わった。人同士が争う中一つの町が滅び去る</a:t>
+            </a:r>
+            <a:r>
+              <a:rPr kumimoji="1" lang="en-US" altLang="ja-JP" dirty="0"/>
+              <a:t>…</a:t>
+            </a:r>
+          </a:p>
+          <a:p>
+            <a:r>
+              <a:rPr kumimoji="1" lang="ja-JP" altLang="en-US" dirty="0"/>
+              <a:t>生き残りの主人公はふらふらになりながら風化した城に入り込み地下に</a:t>
+            </a:r>
+            <a:r>
+              <a:rPr lang="ja-JP" altLang="en-US" dirty="0"/>
+              <a:t>降りる。</a:t>
+            </a:r>
+            <a:endParaRPr lang="en-US" altLang="ja-JP" dirty="0"/>
+          </a:p>
+          <a:p>
+            <a:r>
+              <a:rPr kumimoji="1" lang="ja-JP" altLang="en-US" dirty="0"/>
+              <a:t>そこで崩壊しつつある魔物の世界に入ってしまい、脱出するために「クモの魔物」と協力して進んでいく。</a:t>
+            </a:r>
+            <a:endParaRPr kumimoji="1" lang="en-US" altLang="ja-JP" dirty="0"/>
+          </a:p>
+        </p:txBody>
+      </p:sp>
+      <p:grpSp>
+        <p:nvGrpSpPr>
+          <p:cNvPr id="11" name="グループ化 10">
+            <a:extLst>
+              <a:ext uri="{FF2B5EF4-FFF2-40B4-BE49-F238E27FC236}">
+                <a16:creationId xmlns:a16="http://schemas.microsoft.com/office/drawing/2014/main" id="{0C81CB67-A5C2-417B-A637-E5926850DC69}"/>
+              </a:ext>
+            </a:extLst>
+          </p:cNvPr>
+          <p:cNvGrpSpPr/>
+          <p:nvPr/>
+        </p:nvGrpSpPr>
+        <p:grpSpPr>
+          <a:xfrm>
+            <a:off x="721894" y="3054196"/>
+            <a:ext cx="5493812" cy="742312"/>
+            <a:chOff x="1022684" y="3056020"/>
+            <a:chExt cx="5493812" cy="742312"/>
+          </a:xfrm>
+        </p:grpSpPr>
+        <p:sp>
+          <p:nvSpPr>
+            <p:cNvPr id="6" name="テキスト ボックス 5">
+              <a:extLst>
+                <a:ext uri="{FF2B5EF4-FFF2-40B4-BE49-F238E27FC236}">
+                  <a16:creationId xmlns:a16="http://schemas.microsoft.com/office/drawing/2014/main" id="{47BCC461-3C3B-49DA-A888-D193B937A7A8}"/>
+                </a:ext>
+              </a:extLst>
+            </p:cNvPr>
+            <p:cNvSpPr txBox="1"/>
+            <p:nvPr/>
+          </p:nvSpPr>
+          <p:spPr>
+            <a:xfrm>
+              <a:off x="1022684" y="3429000"/>
+              <a:ext cx="5493812" cy="369332"/>
+            </a:xfrm>
+            <a:prstGeom prst="rect">
+              <a:avLst/>
+            </a:prstGeom>
+            <a:noFill/>
+          </p:spPr>
+          <p:txBody>
+            <a:bodyPr wrap="none" rtlCol="0">
+              <a:spAutoFit/>
+            </a:bodyPr>
+            <a:lstStyle/>
+            <a:p>
+              <a:r>
+                <a:rPr kumimoji="1" lang="ja-JP" altLang="en-US" dirty="0"/>
+                <a:t>地下への階段を踏み外し、見張りのクモに激突する</a:t>
+              </a:r>
+            </a:p>
+          </p:txBody>
+        </p:sp>
+        <p:sp>
+          <p:nvSpPr>
+            <p:cNvPr id="7" name="テキスト ボックス 6">
+              <a:extLst>
+                <a:ext uri="{FF2B5EF4-FFF2-40B4-BE49-F238E27FC236}">
+                  <a16:creationId xmlns:a16="http://schemas.microsoft.com/office/drawing/2014/main" id="{E99EFC9B-274E-4944-ACD5-44EEDA0A8D8C}"/>
+                </a:ext>
+              </a:extLst>
+            </p:cNvPr>
+            <p:cNvSpPr txBox="1"/>
+            <p:nvPr/>
+          </p:nvSpPr>
+          <p:spPr>
+            <a:xfrm>
+              <a:off x="3331008" y="3056020"/>
+              <a:ext cx="877163" cy="369332"/>
+            </a:xfrm>
+            <a:prstGeom prst="rect">
+              <a:avLst/>
+            </a:prstGeom>
+            <a:noFill/>
+          </p:spPr>
+          <p:txBody>
+            <a:bodyPr wrap="none" rtlCol="0">
+              <a:spAutoFit/>
+            </a:bodyPr>
+            <a:lstStyle/>
+            <a:p>
+              <a:r>
+                <a:rPr kumimoji="1" lang="ja-JP" altLang="en-US" dirty="0"/>
+                <a:t>主人公</a:t>
+              </a:r>
+            </a:p>
+          </p:txBody>
+        </p:sp>
+      </p:grpSp>
+      <p:grpSp>
+        <p:nvGrpSpPr>
+          <p:cNvPr id="10" name="グループ化 9">
+            <a:extLst>
+              <a:ext uri="{FF2B5EF4-FFF2-40B4-BE49-F238E27FC236}">
+                <a16:creationId xmlns:a16="http://schemas.microsoft.com/office/drawing/2014/main" id="{AFA62FF2-7DF5-4F60-9017-BEADD8B11E88}"/>
+              </a:ext>
+            </a:extLst>
+          </p:cNvPr>
+          <p:cNvGrpSpPr/>
+          <p:nvPr/>
+        </p:nvGrpSpPr>
+        <p:grpSpPr>
+          <a:xfrm>
+            <a:off x="6516496" y="3056020"/>
+            <a:ext cx="4570482" cy="742312"/>
+            <a:chOff x="6255492" y="2971800"/>
+            <a:chExt cx="4570482" cy="742312"/>
+          </a:xfrm>
+        </p:grpSpPr>
+        <p:sp>
+          <p:nvSpPr>
+            <p:cNvPr id="8" name="テキスト ボックス 7">
+              <a:extLst>
+                <a:ext uri="{FF2B5EF4-FFF2-40B4-BE49-F238E27FC236}">
+                  <a16:creationId xmlns:a16="http://schemas.microsoft.com/office/drawing/2014/main" id="{77E9E7BD-5C6C-4BC5-89AD-C0D0267B3462}"/>
+                </a:ext>
+              </a:extLst>
+            </p:cNvPr>
+            <p:cNvSpPr txBox="1"/>
+            <p:nvPr/>
+          </p:nvSpPr>
+          <p:spPr>
+            <a:xfrm>
+              <a:off x="8217568" y="2971800"/>
+              <a:ext cx="646331" cy="369332"/>
+            </a:xfrm>
+            <a:prstGeom prst="rect">
+              <a:avLst/>
+            </a:prstGeom>
+            <a:noFill/>
+          </p:spPr>
+          <p:txBody>
+            <a:bodyPr wrap="none" rtlCol="0">
+              <a:spAutoFit/>
+            </a:bodyPr>
+            <a:lstStyle/>
+            <a:p>
+              <a:r>
+                <a:rPr lang="ja-JP" altLang="en-US" dirty="0"/>
+                <a:t>クモ</a:t>
+              </a:r>
+              <a:endParaRPr lang="en-US" altLang="ja-JP" dirty="0"/>
+            </a:p>
+          </p:txBody>
+        </p:sp>
+        <p:sp>
+          <p:nvSpPr>
+            <p:cNvPr id="9" name="テキスト ボックス 8">
+              <a:extLst>
+                <a:ext uri="{FF2B5EF4-FFF2-40B4-BE49-F238E27FC236}">
+                  <a16:creationId xmlns:a16="http://schemas.microsoft.com/office/drawing/2014/main" id="{A198FE75-38BE-4466-825F-FBBBA6399479}"/>
+                </a:ext>
+              </a:extLst>
+            </p:cNvPr>
+            <p:cNvSpPr txBox="1"/>
+            <p:nvPr/>
+          </p:nvSpPr>
+          <p:spPr>
+            <a:xfrm>
+              <a:off x="6255492" y="3344780"/>
+              <a:ext cx="4570482" cy="369332"/>
+            </a:xfrm>
+            <a:prstGeom prst="rect">
+              <a:avLst/>
+            </a:prstGeom>
+            <a:noFill/>
+          </p:spPr>
+          <p:txBody>
+            <a:bodyPr wrap="none" rtlCol="0">
+              <a:spAutoFit/>
+            </a:bodyPr>
+            <a:lstStyle/>
+            <a:p>
+              <a:r>
+                <a:rPr lang="ja-JP" altLang="en-US" dirty="0"/>
+                <a:t>元魔王の言葉を思い出し主人公に協力する</a:t>
+              </a:r>
+              <a:endParaRPr kumimoji="1" lang="ja-JP" altLang="en-US" dirty="0"/>
+            </a:p>
+          </p:txBody>
+        </p:sp>
+      </p:grpSp>
+      <p:cxnSp>
+        <p:nvCxnSpPr>
+          <p:cNvPr id="13" name="直線矢印コネクタ 12">
+            <a:extLst>
+              <a:ext uri="{FF2B5EF4-FFF2-40B4-BE49-F238E27FC236}">
+                <a16:creationId xmlns:a16="http://schemas.microsoft.com/office/drawing/2014/main" id="{59D70F3F-5D60-4F52-9CE5-A9782E48FF83}"/>
+              </a:ext>
+            </a:extLst>
+          </p:cNvPr>
+          <p:cNvCxnSpPr>
+            <a:cxnSpLocks/>
+            <a:stCxn id="7" idx="3"/>
+            <a:endCxn id="8" idx="1"/>
+          </p:cNvCxnSpPr>
+          <p:nvPr/>
+        </p:nvCxnSpPr>
+        <p:spPr>
+          <a:xfrm>
+            <a:off x="3907381" y="3238862"/>
+            <a:ext cx="4571191" cy="1824"/>
+          </a:xfrm>
+          <a:prstGeom prst="straightConnector1">
+            <a:avLst/>
+          </a:prstGeom>
+          <a:ln w="76200">
+            <a:solidFill>
+              <a:schemeClr val="tx1"/>
+            </a:solidFill>
+            <a:headEnd type="triangle"/>
+            <a:tailEnd type="triangle"/>
+          </a:ln>
+        </p:spPr>
+        <p:style>
+          <a:lnRef idx="1">
+            <a:schemeClr val="accent1"/>
+          </a:lnRef>
+          <a:fillRef idx="0">
+            <a:schemeClr val="accent1"/>
+          </a:fillRef>
+          <a:effectRef idx="0">
+            <a:schemeClr val="accent1"/>
+          </a:effectRef>
+          <a:fontRef idx="minor">
+            <a:schemeClr val="tx1"/>
+          </a:fontRef>
+        </p:style>
+      </p:cxnSp>
+      <p:sp>
+        <p:nvSpPr>
+          <p:cNvPr id="15" name="テキスト ボックス 14">
+            <a:extLst>
+              <a:ext uri="{FF2B5EF4-FFF2-40B4-BE49-F238E27FC236}">
+                <a16:creationId xmlns:a16="http://schemas.microsoft.com/office/drawing/2014/main" id="{AE901365-48E9-4044-BE01-D0B706A89F2B}"/>
+              </a:ext>
+            </a:extLst>
+          </p:cNvPr>
+          <p:cNvSpPr txBox="1"/>
+          <p:nvPr/>
+        </p:nvSpPr>
+        <p:spPr>
+          <a:xfrm>
+            <a:off x="5661707" y="2742747"/>
+            <a:ext cx="1107996" cy="369332"/>
+          </a:xfrm>
+          <a:prstGeom prst="rect">
+            <a:avLst/>
+          </a:prstGeom>
+          <a:noFill/>
+        </p:spPr>
+        <p:txBody>
+          <a:bodyPr wrap="none" rtlCol="0">
+            <a:spAutoFit/>
+          </a:bodyPr>
+          <a:lstStyle/>
+          <a:p>
+            <a:r>
+              <a:rPr kumimoji="1" lang="ja-JP" altLang="en-US" dirty="0"/>
+              <a:t>協力関係</a:t>
+            </a:r>
+          </a:p>
+        </p:txBody>
+      </p:sp>
+      <p:sp>
+        <p:nvSpPr>
+          <p:cNvPr id="16" name="テキスト ボックス 15">
+            <a:extLst>
+              <a:ext uri="{FF2B5EF4-FFF2-40B4-BE49-F238E27FC236}">
+                <a16:creationId xmlns:a16="http://schemas.microsoft.com/office/drawing/2014/main" id="{5939DFB9-B2AE-4757-AD55-33609F802458}"/>
+              </a:ext>
+            </a:extLst>
+          </p:cNvPr>
+          <p:cNvSpPr txBox="1"/>
+          <p:nvPr/>
+        </p:nvSpPr>
+        <p:spPr>
+          <a:xfrm>
+            <a:off x="721894" y="4235116"/>
+            <a:ext cx="5320687" cy="1754326"/>
+          </a:xfrm>
+          <a:prstGeom prst="rect">
+            <a:avLst/>
+          </a:prstGeom>
+          <a:noFill/>
+        </p:spPr>
+        <p:txBody>
+          <a:bodyPr wrap="none" rtlCol="0">
+            <a:spAutoFit/>
+          </a:bodyPr>
+          <a:lstStyle/>
+          <a:p>
+            <a:r>
+              <a:rPr kumimoji="1" lang="ja-JP" altLang="en-US" dirty="0"/>
+              <a:t>主人公設定</a:t>
+            </a:r>
+            <a:endParaRPr kumimoji="1" lang="en-US" altLang="ja-JP" dirty="0"/>
+          </a:p>
+          <a:p>
+            <a:pPr marL="285750" indent="-285750">
+              <a:buFont typeface="Arial" panose="020B0604020202020204" pitchFamily="34" charset="0"/>
+              <a:buChar char="•"/>
+            </a:pPr>
+            <a:r>
+              <a:rPr lang="ja-JP" altLang="en-US" dirty="0"/>
+              <a:t>勇者と元魔王をもとに作られた戦闘用クローン</a:t>
+            </a:r>
+            <a:endParaRPr lang="en-US" altLang="ja-JP" dirty="0"/>
+          </a:p>
+          <a:p>
+            <a:pPr marL="285750" indent="-285750">
+              <a:buFont typeface="Arial" panose="020B0604020202020204" pitchFamily="34" charset="0"/>
+              <a:buChar char="•"/>
+            </a:pPr>
+            <a:r>
+              <a:rPr kumimoji="1" lang="ja-JP" altLang="en-US" dirty="0"/>
+              <a:t>人間を恨んでいる</a:t>
+            </a:r>
+            <a:endParaRPr kumimoji="1" lang="en-US" altLang="ja-JP" dirty="0"/>
+          </a:p>
+          <a:p>
+            <a:pPr marL="285750" indent="-285750">
+              <a:buFont typeface="Arial" panose="020B0604020202020204" pitchFamily="34" charset="0"/>
+              <a:buChar char="•"/>
+            </a:pPr>
+            <a:r>
+              <a:rPr lang="ja-JP" altLang="en-US" dirty="0"/>
+              <a:t>魔物は怖い</a:t>
+            </a:r>
+            <a:endParaRPr lang="en-US" altLang="ja-JP" dirty="0"/>
+          </a:p>
+          <a:p>
+            <a:pPr marL="285750" indent="-285750">
+              <a:buFont typeface="Arial" panose="020B0604020202020204" pitchFamily="34" charset="0"/>
+              <a:buChar char="•"/>
+            </a:pPr>
+            <a:r>
+              <a:rPr kumimoji="1" lang="ja-JP" altLang="en-US" dirty="0"/>
+              <a:t>貧しいところに居たため使えるものは使う主義</a:t>
+            </a:r>
+            <a:endParaRPr kumimoji="1" lang="en-US" altLang="ja-JP" dirty="0"/>
+          </a:p>
+          <a:p>
+            <a:pPr marL="285750" indent="-285750">
+              <a:buFont typeface="Arial" panose="020B0604020202020204" pitchFamily="34" charset="0"/>
+              <a:buChar char="•"/>
+            </a:pPr>
+            <a:r>
+              <a:rPr kumimoji="1" lang="ja-JP" altLang="en-US" dirty="0"/>
+              <a:t>趣味は水遊び</a:t>
+            </a:r>
+            <a:endParaRPr kumimoji="1" lang="en-US" altLang="ja-JP" dirty="0"/>
+          </a:p>
+        </p:txBody>
+      </p:sp>
+      <p:sp>
+        <p:nvSpPr>
+          <p:cNvPr id="17" name="テキスト ボックス 16">
+            <a:extLst>
+              <a:ext uri="{FF2B5EF4-FFF2-40B4-BE49-F238E27FC236}">
+                <a16:creationId xmlns:a16="http://schemas.microsoft.com/office/drawing/2014/main" id="{D9898ECA-B328-42D9-8BAE-CF0A7CD444C6}"/>
+              </a:ext>
+            </a:extLst>
+          </p:cNvPr>
+          <p:cNvSpPr txBox="1"/>
+          <p:nvPr/>
+        </p:nvSpPr>
+        <p:spPr>
+          <a:xfrm>
+            <a:off x="6695392" y="4235116"/>
+            <a:ext cx="4859022" cy="1754326"/>
+          </a:xfrm>
+          <a:prstGeom prst="rect">
+            <a:avLst/>
+          </a:prstGeom>
+          <a:noFill/>
+        </p:spPr>
+        <p:txBody>
+          <a:bodyPr wrap="none" rtlCol="0">
+            <a:spAutoFit/>
+          </a:bodyPr>
+          <a:lstStyle/>
+          <a:p>
+            <a:r>
+              <a:rPr kumimoji="1" lang="ja-JP" altLang="en-US" dirty="0"/>
+              <a:t>クモ設定</a:t>
+            </a:r>
+            <a:endParaRPr kumimoji="1" lang="en-US" altLang="ja-JP" dirty="0"/>
+          </a:p>
+          <a:p>
+            <a:pPr marL="285750" indent="-285750">
+              <a:buFont typeface="Arial" panose="020B0604020202020204" pitchFamily="34" charset="0"/>
+              <a:buChar char="•"/>
+            </a:pPr>
+            <a:r>
+              <a:rPr kumimoji="1" lang="ja-JP" altLang="en-US" dirty="0"/>
+              <a:t>元魔王の友人</a:t>
+            </a:r>
+            <a:endParaRPr kumimoji="1" lang="en-US" altLang="ja-JP" dirty="0"/>
+          </a:p>
+          <a:p>
+            <a:pPr marL="285750" indent="-285750">
+              <a:buFont typeface="Arial" panose="020B0604020202020204" pitchFamily="34" charset="0"/>
+              <a:buChar char="•"/>
+            </a:pPr>
+            <a:r>
+              <a:rPr kumimoji="1" lang="ja-JP" altLang="en-US" dirty="0"/>
+              <a:t>亡き後を継ごうとしたが力及ばず追われる</a:t>
+            </a:r>
+            <a:endParaRPr kumimoji="1" lang="en-US" altLang="ja-JP" dirty="0"/>
+          </a:p>
+          <a:p>
+            <a:pPr marL="285750" indent="-285750">
+              <a:buFont typeface="Arial" panose="020B0604020202020204" pitchFamily="34" charset="0"/>
+              <a:buChar char="•"/>
+            </a:pPr>
+            <a:r>
+              <a:rPr kumimoji="1" lang="ja-JP" altLang="en-US" dirty="0"/>
+              <a:t>前魔王派閥の指揮官</a:t>
+            </a:r>
+            <a:endParaRPr kumimoji="1" lang="en-US" altLang="ja-JP" dirty="0"/>
+          </a:p>
+          <a:p>
+            <a:pPr marL="285750" indent="-285750">
+              <a:buFont typeface="Arial" panose="020B0604020202020204" pitchFamily="34" charset="0"/>
+              <a:buChar char="•"/>
+            </a:pPr>
+            <a:r>
+              <a:rPr lang="ja-JP" altLang="en-US" dirty="0"/>
+              <a:t>人間に友好的</a:t>
+            </a:r>
+            <a:endParaRPr lang="en-US" altLang="ja-JP" dirty="0"/>
+          </a:p>
+          <a:p>
+            <a:pPr marL="285750" indent="-285750">
+              <a:buFont typeface="Arial" panose="020B0604020202020204" pitchFamily="34" charset="0"/>
+              <a:buChar char="•"/>
+            </a:pPr>
+            <a:r>
+              <a:rPr kumimoji="1" lang="ja-JP" altLang="en-US" dirty="0"/>
+              <a:t>趣味は織物</a:t>
+            </a:r>
+          </a:p>
+        </p:txBody>
+      </p:sp>
+      <p:cxnSp>
+        <p:nvCxnSpPr>
+          <p:cNvPr id="19" name="コネクタ: カギ線 18">
+            <a:extLst>
+              <a:ext uri="{FF2B5EF4-FFF2-40B4-BE49-F238E27FC236}">
+                <a16:creationId xmlns:a16="http://schemas.microsoft.com/office/drawing/2014/main" id="{CE9CD8B3-AC24-4910-975E-E394311F42B7}"/>
+              </a:ext>
+            </a:extLst>
+          </p:cNvPr>
+          <p:cNvCxnSpPr>
+            <a:cxnSpLocks/>
+            <a:stCxn id="7" idx="0"/>
+            <a:endCxn id="8" idx="0"/>
+          </p:cNvCxnSpPr>
+          <p:nvPr/>
+        </p:nvCxnSpPr>
+        <p:spPr>
+          <a:xfrm rot="16200000" flipH="1">
+            <a:off x="6134357" y="388639"/>
+            <a:ext cx="1824" cy="5332938"/>
+          </a:xfrm>
+          <a:prstGeom prst="bentConnector3">
+            <a:avLst>
+              <a:gd name="adj1" fmla="val -32585526"/>
+            </a:avLst>
+          </a:prstGeom>
+          <a:ln w="76200">
+            <a:solidFill>
+              <a:schemeClr val="tx1"/>
+            </a:solidFill>
+            <a:tailEnd type="triangle"/>
+          </a:ln>
+        </p:spPr>
+        <p:style>
+          <a:lnRef idx="1">
+            <a:schemeClr val="accent1"/>
+          </a:lnRef>
+          <a:fillRef idx="0">
+            <a:schemeClr val="accent1"/>
+          </a:fillRef>
+          <a:effectRef idx="0">
+            <a:schemeClr val="accent1"/>
+          </a:effectRef>
+          <a:fontRef idx="minor">
+            <a:schemeClr val="tx1"/>
+          </a:fontRef>
+        </p:style>
+      </p:cxnSp>
+      <p:sp>
+        <p:nvSpPr>
+          <p:cNvPr id="22" name="テキスト ボックス 21">
+            <a:extLst>
+              <a:ext uri="{FF2B5EF4-FFF2-40B4-BE49-F238E27FC236}">
+                <a16:creationId xmlns:a16="http://schemas.microsoft.com/office/drawing/2014/main" id="{D24AE882-23A6-45BB-B8EA-5CBEB93C7C81}"/>
+              </a:ext>
+            </a:extLst>
+          </p:cNvPr>
+          <p:cNvSpPr txBox="1"/>
+          <p:nvPr/>
+        </p:nvSpPr>
+        <p:spPr>
+          <a:xfrm>
+            <a:off x="5812103" y="1981337"/>
+            <a:ext cx="646331" cy="369332"/>
+          </a:xfrm>
+          <a:prstGeom prst="rect">
+            <a:avLst/>
+          </a:prstGeom>
+          <a:noFill/>
+        </p:spPr>
+        <p:txBody>
+          <a:bodyPr wrap="none" rtlCol="0">
+            <a:spAutoFit/>
+          </a:bodyPr>
+          <a:lstStyle/>
+          <a:p>
+            <a:r>
+              <a:rPr kumimoji="1" lang="ja-JP" altLang="en-US" dirty="0"/>
+              <a:t>利用</a:t>
+            </a:r>
+          </a:p>
+        </p:txBody>
+      </p:sp>
+    </p:spTree>
+    <p:extLst>
+      <p:ext uri="{BB962C8B-B14F-4D97-AF65-F5344CB8AC3E}">
+        <p14:creationId xmlns:p14="http://schemas.microsoft.com/office/powerpoint/2010/main" val="4274355410"/>
+      </p:ext>
+    </p:extLst>
+  </p:cSld>
+  <p:clrMapOvr>
+    <a:masterClrMapping/>
+  </p:clrMapOvr>
+</p:sld>
+</file>
+
 <file path=ppt/theme/theme1.xml><?xml version="1.0" encoding="utf-8"?>
 <a:theme xmlns:a="http://schemas.openxmlformats.org/drawingml/2006/main" name="Office テーマ">
   <a:themeElements>
